--- a/FrontendDevelopment_HTML_CSS.pptx
+++ b/FrontendDevelopment_HTML_CSS.pptx
@@ -2,8 +2,11 @@
 <file path=ppt/presentation.xml><?xml version="1.0" encoding="utf-8"?>
 <p:presentation xmlns:a="http://schemas.openxmlformats.org/drawingml/2006/main" xmlns:r="http://schemas.openxmlformats.org/officeDocument/2006/relationships" xmlns:p="http://schemas.openxmlformats.org/presentationml/2006/main" saveSubsetFonts="1" autoCompressPictures="0">
   <p:sldMasterIdLst>
-    <p:sldMasterId id="2147483648" r:id="rId1"/>
+    <p:sldMasterId id="2147483660" r:id="rId1"/>
   </p:sldMasterIdLst>
+  <p:notesMasterIdLst>
+    <p:notesMasterId r:id="rId10"/>
+  </p:notesMasterIdLst>
   <p:sldIdLst>
     <p:sldId id="256" r:id="rId2"/>
     <p:sldId id="257" r:id="rId3"/>
@@ -18,7 +21,7 @@
   <p:notesSz cx="6858000" cy="9144000"/>
   <p:defaultTextStyle>
     <a:defPPr>
-      <a:defRPr lang="da-DK"/>
+      <a:defRPr lang="en-US"/>
     </a:defPPr>
     <a:lvl1pPr marL="0" algn="l" defTabSz="914400" rtl="0" eaLnBrk="1" latinLnBrk="0" hangingPunct="1">
       <a:defRPr sz="1800" kern="1200">
@@ -111,7 +114,538 @@
       </a:defRPr>
     </a:lvl9pPr>
   </p:defaultTextStyle>
+  <p:extLst>
+    <p:ext uri="{EFAFB233-063F-42B5-8137-9DF3F51BA10A}">
+      <p15:sldGuideLst xmlns:p15="http://schemas.microsoft.com/office/powerpoint/2012/main"/>
+    </p:ext>
+  </p:extLst>
 </p:presentation>
+</file>
+
+<file path=ppt/notesMasters/notesMaster1.xml><?xml version="1.0" encoding="utf-8"?>
+<p:notesMaster xmlns:a="http://schemas.openxmlformats.org/drawingml/2006/main" xmlns:r="http://schemas.openxmlformats.org/officeDocument/2006/relationships" xmlns:p="http://schemas.openxmlformats.org/presentationml/2006/main">
+  <p:cSld>
+    <p:bg>
+      <p:bgRef idx="1001">
+        <a:schemeClr val="bg1"/>
+      </p:bgRef>
+    </p:bg>
+    <p:spTree>
+      <p:nvGrpSpPr>
+        <p:cNvPr id="1" name=""/>
+        <p:cNvGrpSpPr/>
+        <p:nvPr/>
+      </p:nvGrpSpPr>
+      <p:grpSpPr>
+        <a:xfrm>
+          <a:off x="0" y="0"/>
+          <a:ext cx="0" cy="0"/>
+          <a:chOff x="0" y="0"/>
+          <a:chExt cx="0" cy="0"/>
+        </a:xfrm>
+      </p:grpSpPr>
+      <p:sp>
+        <p:nvSpPr>
+          <p:cNvPr id="2" name="Pladsholder til sidehoved 1"/>
+          <p:cNvSpPr>
+            <a:spLocks noGrp="1"/>
+          </p:cNvSpPr>
+          <p:nvPr>
+            <p:ph type="hdr" sz="quarter"/>
+          </p:nvPr>
+        </p:nvSpPr>
+        <p:spPr>
+          <a:xfrm>
+            <a:off x="0" y="0"/>
+            <a:ext cx="2971800" cy="458788"/>
+          </a:xfrm>
+          <a:prstGeom prst="rect">
+            <a:avLst/>
+          </a:prstGeom>
+        </p:spPr>
+        <p:txBody>
+          <a:bodyPr vert="horz" lIns="91440" tIns="45720" rIns="91440" bIns="45720" rtlCol="0"/>
+          <a:lstStyle>
+            <a:lvl1pPr algn="l">
+              <a:defRPr sz="1200"/>
+            </a:lvl1pPr>
+          </a:lstStyle>
+          <a:p>
+            <a:endParaRPr lang="en-GB"/>
+          </a:p>
+        </p:txBody>
+      </p:sp>
+      <p:sp>
+        <p:nvSpPr>
+          <p:cNvPr id="3" name="Pladsholder til dato 2"/>
+          <p:cNvSpPr>
+            <a:spLocks noGrp="1"/>
+          </p:cNvSpPr>
+          <p:nvPr>
+            <p:ph type="dt" idx="1"/>
+          </p:nvPr>
+        </p:nvSpPr>
+        <p:spPr>
+          <a:xfrm>
+            <a:off x="3884613" y="0"/>
+            <a:ext cx="2971800" cy="458788"/>
+          </a:xfrm>
+          <a:prstGeom prst="rect">
+            <a:avLst/>
+          </a:prstGeom>
+        </p:spPr>
+        <p:txBody>
+          <a:bodyPr vert="horz" lIns="91440" tIns="45720" rIns="91440" bIns="45720" rtlCol="0"/>
+          <a:lstStyle>
+            <a:lvl1pPr algn="r">
+              <a:defRPr sz="1200"/>
+            </a:lvl1pPr>
+          </a:lstStyle>
+          <a:p>
+            <a:fld id="{7F8FBADA-875B-468B-9A3F-8433F0460FDE}" type="datetimeFigureOut">
+              <a:rPr lang="en-GB" smtClean="0"/>
+              <a:t>08/01/2019</a:t>
+            </a:fld>
+            <a:endParaRPr lang="en-GB"/>
+          </a:p>
+        </p:txBody>
+      </p:sp>
+      <p:sp>
+        <p:nvSpPr>
+          <p:cNvPr id="4" name="Pladsholder til slidebillede 3"/>
+          <p:cNvSpPr>
+            <a:spLocks noGrp="1" noRot="1" noChangeAspect="1"/>
+          </p:cNvSpPr>
+          <p:nvPr>
+            <p:ph type="sldImg" idx="2"/>
+          </p:nvPr>
+        </p:nvSpPr>
+        <p:spPr>
+          <a:xfrm>
+            <a:off x="685800" y="1143000"/>
+            <a:ext cx="5486400" cy="3086100"/>
+          </a:xfrm>
+          <a:prstGeom prst="rect">
+            <a:avLst/>
+          </a:prstGeom>
+          <a:noFill/>
+          <a:ln w="12700">
+            <a:solidFill>
+              <a:prstClr val="black"/>
+            </a:solidFill>
+          </a:ln>
+        </p:spPr>
+        <p:txBody>
+          <a:bodyPr vert="horz" lIns="91440" tIns="45720" rIns="91440" bIns="45720" rtlCol="0" anchor="ctr"/>
+          <a:lstStyle/>
+          <a:p>
+            <a:endParaRPr lang="en-GB"/>
+          </a:p>
+        </p:txBody>
+      </p:sp>
+      <p:sp>
+        <p:nvSpPr>
+          <p:cNvPr id="5" name="Pladsholder til noter 4"/>
+          <p:cNvSpPr>
+            <a:spLocks noGrp="1"/>
+          </p:cNvSpPr>
+          <p:nvPr>
+            <p:ph type="body" sz="quarter" idx="3"/>
+          </p:nvPr>
+        </p:nvSpPr>
+        <p:spPr>
+          <a:xfrm>
+            <a:off x="685800" y="4400550"/>
+            <a:ext cx="5486400" cy="3600450"/>
+          </a:xfrm>
+          <a:prstGeom prst="rect">
+            <a:avLst/>
+          </a:prstGeom>
+        </p:spPr>
+        <p:txBody>
+          <a:bodyPr vert="horz" lIns="91440" tIns="45720" rIns="91440" bIns="45720" rtlCol="0"/>
+          <a:lstStyle/>
+          <a:p>
+            <a:pPr lvl="0"/>
+            <a:r>
+              <a:rPr lang="da-DK"/>
+              <a:t>Rediger teksttypografien i masteren</a:t>
+            </a:r>
+          </a:p>
+          <a:p>
+            <a:pPr lvl="1"/>
+            <a:r>
+              <a:rPr lang="da-DK"/>
+              <a:t>Andet niveau</a:t>
+            </a:r>
+          </a:p>
+          <a:p>
+            <a:pPr lvl="2"/>
+            <a:r>
+              <a:rPr lang="da-DK"/>
+              <a:t>Tredje niveau</a:t>
+            </a:r>
+          </a:p>
+          <a:p>
+            <a:pPr lvl="3"/>
+            <a:r>
+              <a:rPr lang="da-DK"/>
+              <a:t>Fjerde niveau</a:t>
+            </a:r>
+          </a:p>
+          <a:p>
+            <a:pPr lvl="4"/>
+            <a:r>
+              <a:rPr lang="da-DK"/>
+              <a:t>Femte niveau</a:t>
+            </a:r>
+            <a:endParaRPr lang="en-GB"/>
+          </a:p>
+        </p:txBody>
+      </p:sp>
+      <p:sp>
+        <p:nvSpPr>
+          <p:cNvPr id="6" name="Pladsholder til sidefod 5"/>
+          <p:cNvSpPr>
+            <a:spLocks noGrp="1"/>
+          </p:cNvSpPr>
+          <p:nvPr>
+            <p:ph type="ftr" sz="quarter" idx="4"/>
+          </p:nvPr>
+        </p:nvSpPr>
+        <p:spPr>
+          <a:xfrm>
+            <a:off x="0" y="8685213"/>
+            <a:ext cx="2971800" cy="458787"/>
+          </a:xfrm>
+          <a:prstGeom prst="rect">
+            <a:avLst/>
+          </a:prstGeom>
+        </p:spPr>
+        <p:txBody>
+          <a:bodyPr vert="horz" lIns="91440" tIns="45720" rIns="91440" bIns="45720" rtlCol="0" anchor="b"/>
+          <a:lstStyle>
+            <a:lvl1pPr algn="l">
+              <a:defRPr sz="1200"/>
+            </a:lvl1pPr>
+          </a:lstStyle>
+          <a:p>
+            <a:endParaRPr lang="en-GB"/>
+          </a:p>
+        </p:txBody>
+      </p:sp>
+      <p:sp>
+        <p:nvSpPr>
+          <p:cNvPr id="7" name="Pladsholder til slidenummer 6"/>
+          <p:cNvSpPr>
+            <a:spLocks noGrp="1"/>
+          </p:cNvSpPr>
+          <p:nvPr>
+            <p:ph type="sldNum" sz="quarter" idx="5"/>
+          </p:nvPr>
+        </p:nvSpPr>
+        <p:spPr>
+          <a:xfrm>
+            <a:off x="3884613" y="8685213"/>
+            <a:ext cx="2971800" cy="458787"/>
+          </a:xfrm>
+          <a:prstGeom prst="rect">
+            <a:avLst/>
+          </a:prstGeom>
+        </p:spPr>
+        <p:txBody>
+          <a:bodyPr vert="horz" lIns="91440" tIns="45720" rIns="91440" bIns="45720" rtlCol="0" anchor="b"/>
+          <a:lstStyle>
+            <a:lvl1pPr algn="r">
+              <a:defRPr sz="1200"/>
+            </a:lvl1pPr>
+          </a:lstStyle>
+          <a:p>
+            <a:fld id="{7D9B6825-33D2-463F-B1C8-7D7587E5441A}" type="slidenum">
+              <a:rPr lang="en-GB" smtClean="0"/>
+              <a:t>‹nr.›</a:t>
+            </a:fld>
+            <a:endParaRPr lang="en-GB"/>
+          </a:p>
+        </p:txBody>
+      </p:sp>
+    </p:spTree>
+    <p:extLst>
+      <p:ext uri="{BB962C8B-B14F-4D97-AF65-F5344CB8AC3E}">
+        <p14:creationId xmlns:p14="http://schemas.microsoft.com/office/powerpoint/2010/main" val="1172170750"/>
+      </p:ext>
+    </p:extLst>
+  </p:cSld>
+  <p:clrMap bg1="lt1" tx1="dk1" bg2="lt2" tx2="dk2" accent1="accent1" accent2="accent2" accent3="accent3" accent4="accent4" accent5="accent5" accent6="accent6" hlink="hlink" folHlink="folHlink"/>
+  <p:notesStyle>
+    <a:lvl1pPr marL="0" algn="l" defTabSz="914400" rtl="0" eaLnBrk="1" latinLnBrk="0" hangingPunct="1">
+      <a:defRPr sz="1200" kern="1200">
+        <a:solidFill>
+          <a:schemeClr val="tx1"/>
+        </a:solidFill>
+        <a:latin typeface="+mn-lt"/>
+        <a:ea typeface="+mn-ea"/>
+        <a:cs typeface="+mn-cs"/>
+      </a:defRPr>
+    </a:lvl1pPr>
+    <a:lvl2pPr marL="457200" algn="l" defTabSz="914400" rtl="0" eaLnBrk="1" latinLnBrk="0" hangingPunct="1">
+      <a:defRPr sz="1200" kern="1200">
+        <a:solidFill>
+          <a:schemeClr val="tx1"/>
+        </a:solidFill>
+        <a:latin typeface="+mn-lt"/>
+        <a:ea typeface="+mn-ea"/>
+        <a:cs typeface="+mn-cs"/>
+      </a:defRPr>
+    </a:lvl2pPr>
+    <a:lvl3pPr marL="914400" algn="l" defTabSz="914400" rtl="0" eaLnBrk="1" latinLnBrk="0" hangingPunct="1">
+      <a:defRPr sz="1200" kern="1200">
+        <a:solidFill>
+          <a:schemeClr val="tx1"/>
+        </a:solidFill>
+        <a:latin typeface="+mn-lt"/>
+        <a:ea typeface="+mn-ea"/>
+        <a:cs typeface="+mn-cs"/>
+      </a:defRPr>
+    </a:lvl3pPr>
+    <a:lvl4pPr marL="1371600" algn="l" defTabSz="914400" rtl="0" eaLnBrk="1" latinLnBrk="0" hangingPunct="1">
+      <a:defRPr sz="1200" kern="1200">
+        <a:solidFill>
+          <a:schemeClr val="tx1"/>
+        </a:solidFill>
+        <a:latin typeface="+mn-lt"/>
+        <a:ea typeface="+mn-ea"/>
+        <a:cs typeface="+mn-cs"/>
+      </a:defRPr>
+    </a:lvl4pPr>
+    <a:lvl5pPr marL="1828800" algn="l" defTabSz="914400" rtl="0" eaLnBrk="1" latinLnBrk="0" hangingPunct="1">
+      <a:defRPr sz="1200" kern="1200">
+        <a:solidFill>
+          <a:schemeClr val="tx1"/>
+        </a:solidFill>
+        <a:latin typeface="+mn-lt"/>
+        <a:ea typeface="+mn-ea"/>
+        <a:cs typeface="+mn-cs"/>
+      </a:defRPr>
+    </a:lvl5pPr>
+    <a:lvl6pPr marL="2286000" algn="l" defTabSz="914400" rtl="0" eaLnBrk="1" latinLnBrk="0" hangingPunct="1">
+      <a:defRPr sz="1200" kern="1200">
+        <a:solidFill>
+          <a:schemeClr val="tx1"/>
+        </a:solidFill>
+        <a:latin typeface="+mn-lt"/>
+        <a:ea typeface="+mn-ea"/>
+        <a:cs typeface="+mn-cs"/>
+      </a:defRPr>
+    </a:lvl6pPr>
+    <a:lvl7pPr marL="2743200" algn="l" defTabSz="914400" rtl="0" eaLnBrk="1" latinLnBrk="0" hangingPunct="1">
+      <a:defRPr sz="1200" kern="1200">
+        <a:solidFill>
+          <a:schemeClr val="tx1"/>
+        </a:solidFill>
+        <a:latin typeface="+mn-lt"/>
+        <a:ea typeface="+mn-ea"/>
+        <a:cs typeface="+mn-cs"/>
+      </a:defRPr>
+    </a:lvl7pPr>
+    <a:lvl8pPr marL="3200400" algn="l" defTabSz="914400" rtl="0" eaLnBrk="1" latinLnBrk="0" hangingPunct="1">
+      <a:defRPr sz="1200" kern="1200">
+        <a:solidFill>
+          <a:schemeClr val="tx1"/>
+        </a:solidFill>
+        <a:latin typeface="+mn-lt"/>
+        <a:ea typeface="+mn-ea"/>
+        <a:cs typeface="+mn-cs"/>
+      </a:defRPr>
+    </a:lvl8pPr>
+    <a:lvl9pPr marL="3657600" algn="l" defTabSz="914400" rtl="0" eaLnBrk="1" latinLnBrk="0" hangingPunct="1">
+      <a:defRPr sz="1200" kern="1200">
+        <a:solidFill>
+          <a:schemeClr val="tx1"/>
+        </a:solidFill>
+        <a:latin typeface="+mn-lt"/>
+        <a:ea typeface="+mn-ea"/>
+        <a:cs typeface="+mn-cs"/>
+      </a:defRPr>
+    </a:lvl9pPr>
+  </p:notesStyle>
+</p:notesMaster>
+</file>
+
+<file path=ppt/notesSlides/notesSlide1.xml><?xml version="1.0" encoding="utf-8"?>
+<p:notes xmlns:a="http://schemas.openxmlformats.org/drawingml/2006/main" xmlns:r="http://schemas.openxmlformats.org/officeDocument/2006/relationships" xmlns:p="http://schemas.openxmlformats.org/presentationml/2006/main">
+  <p:cSld>
+    <p:spTree>
+      <p:nvGrpSpPr>
+        <p:cNvPr id="1" name=""/>
+        <p:cNvGrpSpPr/>
+        <p:nvPr/>
+      </p:nvGrpSpPr>
+      <p:grpSpPr>
+        <a:xfrm>
+          <a:off x="0" y="0"/>
+          <a:ext cx="0" cy="0"/>
+          <a:chOff x="0" y="0"/>
+          <a:chExt cx="0" cy="0"/>
+        </a:xfrm>
+      </p:grpSpPr>
+      <p:sp>
+        <p:nvSpPr>
+          <p:cNvPr id="2" name="Pladsholder til slidebillede 1"/>
+          <p:cNvSpPr>
+            <a:spLocks noGrp="1" noRot="1" noChangeAspect="1"/>
+          </p:cNvSpPr>
+          <p:nvPr>
+            <p:ph type="sldImg"/>
+          </p:nvPr>
+        </p:nvSpPr>
+        <p:spPr/>
+      </p:sp>
+      <p:sp>
+        <p:nvSpPr>
+          <p:cNvPr id="3" name="Pladsholder til noter 2"/>
+          <p:cNvSpPr>
+            <a:spLocks noGrp="1"/>
+          </p:cNvSpPr>
+          <p:nvPr>
+            <p:ph type="body" idx="1"/>
+          </p:nvPr>
+        </p:nvSpPr>
+        <p:spPr/>
+        <p:txBody>
+          <a:bodyPr/>
+          <a:lstStyle/>
+          <a:p>
+            <a:r>
+              <a:rPr lang="da-DK" dirty="0"/>
+              <a:t>Samme linje</a:t>
+            </a:r>
+            <a:endParaRPr lang="en-GB" dirty="0"/>
+          </a:p>
+        </p:txBody>
+      </p:sp>
+      <p:sp>
+        <p:nvSpPr>
+          <p:cNvPr id="4" name="Pladsholder til slidenummer 3"/>
+          <p:cNvSpPr>
+            <a:spLocks noGrp="1"/>
+          </p:cNvSpPr>
+          <p:nvPr>
+            <p:ph type="sldNum" sz="quarter" idx="5"/>
+          </p:nvPr>
+        </p:nvSpPr>
+        <p:spPr/>
+        <p:txBody>
+          <a:bodyPr/>
+          <a:lstStyle/>
+          <a:p>
+            <a:fld id="{7D9B6825-33D2-463F-B1C8-7D7587E5441A}" type="slidenum">
+              <a:rPr lang="en-GB" smtClean="0"/>
+              <a:t>6</a:t>
+            </a:fld>
+            <a:endParaRPr lang="en-GB"/>
+          </a:p>
+        </p:txBody>
+      </p:sp>
+    </p:spTree>
+    <p:extLst>
+      <p:ext uri="{BB962C8B-B14F-4D97-AF65-F5344CB8AC3E}">
+        <p14:creationId xmlns:p14="http://schemas.microsoft.com/office/powerpoint/2010/main" val="2764078967"/>
+      </p:ext>
+    </p:extLst>
+  </p:cSld>
+  <p:clrMapOvr>
+    <a:masterClrMapping/>
+  </p:clrMapOvr>
+</p:notes>
+</file>
+
+<file path=ppt/notesSlides/notesSlide2.xml><?xml version="1.0" encoding="utf-8"?>
+<p:notes xmlns:a="http://schemas.openxmlformats.org/drawingml/2006/main" xmlns:r="http://schemas.openxmlformats.org/officeDocument/2006/relationships" xmlns:p="http://schemas.openxmlformats.org/presentationml/2006/main">
+  <p:cSld>
+    <p:spTree>
+      <p:nvGrpSpPr>
+        <p:cNvPr id="1" name=""/>
+        <p:cNvGrpSpPr/>
+        <p:nvPr/>
+      </p:nvGrpSpPr>
+      <p:grpSpPr>
+        <a:xfrm>
+          <a:off x="0" y="0"/>
+          <a:ext cx="0" cy="0"/>
+          <a:chOff x="0" y="0"/>
+          <a:chExt cx="0" cy="0"/>
+        </a:xfrm>
+      </p:grpSpPr>
+      <p:sp>
+        <p:nvSpPr>
+          <p:cNvPr id="2" name="Pladsholder til slidebillede 1"/>
+          <p:cNvSpPr>
+            <a:spLocks noGrp="1" noRot="1" noChangeAspect="1"/>
+          </p:cNvSpPr>
+          <p:nvPr>
+            <p:ph type="sldImg"/>
+          </p:nvPr>
+        </p:nvSpPr>
+        <p:spPr/>
+      </p:sp>
+      <p:sp>
+        <p:nvSpPr>
+          <p:cNvPr id="3" name="Pladsholder til noter 2"/>
+          <p:cNvSpPr>
+            <a:spLocks noGrp="1"/>
+          </p:cNvSpPr>
+          <p:nvPr>
+            <p:ph type="body" idx="1"/>
+          </p:nvPr>
+        </p:nvSpPr>
+        <p:spPr/>
+        <p:txBody>
+          <a:bodyPr/>
+          <a:lstStyle/>
+          <a:p>
+            <a:r>
+              <a:rPr lang="da-DK" dirty="0"/>
+              <a:t>Samme dokument</a:t>
+            </a:r>
+            <a:endParaRPr lang="en-GB" dirty="0"/>
+          </a:p>
+        </p:txBody>
+      </p:sp>
+      <p:sp>
+        <p:nvSpPr>
+          <p:cNvPr id="4" name="Pladsholder til slidenummer 3"/>
+          <p:cNvSpPr>
+            <a:spLocks noGrp="1"/>
+          </p:cNvSpPr>
+          <p:nvPr>
+            <p:ph type="sldNum" sz="quarter" idx="5"/>
+          </p:nvPr>
+        </p:nvSpPr>
+        <p:spPr/>
+        <p:txBody>
+          <a:bodyPr/>
+          <a:lstStyle/>
+          <a:p>
+            <a:fld id="{7D9B6825-33D2-463F-B1C8-7D7587E5441A}" type="slidenum">
+              <a:rPr lang="en-GB" smtClean="0"/>
+              <a:t>7</a:t>
+            </a:fld>
+            <a:endParaRPr lang="en-GB"/>
+          </a:p>
+        </p:txBody>
+      </p:sp>
+    </p:spTree>
+    <p:extLst>
+      <p:ext uri="{BB962C8B-B14F-4D97-AF65-F5344CB8AC3E}">
+        <p14:creationId xmlns:p14="http://schemas.microsoft.com/office/powerpoint/2010/main" val="2797355369"/>
+      </p:ext>
+    </p:extLst>
+  </p:cSld>
+  <p:clrMapOvr>
+    <a:masterClrMapping/>
+  </p:clrMapOvr>
+</p:notes>
 </file>
 
 <file path=ppt/slideLayouts/slideLayout1.xml><?xml version="1.0" encoding="utf-8"?>
@@ -136,7 +670,7 @@
           <p:cNvPr id="2" name="Titel 1">
             <a:extLst>
               <a:ext uri="{FF2B5EF4-FFF2-40B4-BE49-F238E27FC236}">
-                <a16:creationId xmlns:a16="http://schemas.microsoft.com/office/drawing/2014/main" id="{8F6D5348-CB86-4549-BCA8-CA4EF4BCA075}"/>
+                <a16:creationId xmlns:a16="http://schemas.microsoft.com/office/drawing/2014/main" id="{B3A803F0-1DE2-4C0B-A8C3-3089D04C26A1}"/>
               </a:ext>
             </a:extLst>
           </p:cNvPr>
@@ -163,8 +697,9 @@
           <a:p>
             <a:r>
               <a:rPr lang="da-DK"/>
-              <a:t>Klik for at redigere i master</a:t>
-            </a:r>
+              <a:t>Klik for at redigere titeltypografien i masteren</a:t>
+            </a:r>
+            <a:endParaRPr lang="en-GB"/>
           </a:p>
         </p:txBody>
       </p:sp>
@@ -173,7 +708,7 @@
           <p:cNvPr id="3" name="Undertitel 2">
             <a:extLst>
               <a:ext uri="{FF2B5EF4-FFF2-40B4-BE49-F238E27FC236}">
-                <a16:creationId xmlns:a16="http://schemas.microsoft.com/office/drawing/2014/main" id="{D81217E4-5166-8845-9D32-FDEB225FE959}"/>
+                <a16:creationId xmlns:a16="http://schemas.microsoft.com/office/drawing/2014/main" id="{46DA3E1A-CF4D-404F-ABD6-D1365B858CF4}"/>
               </a:ext>
             </a:extLst>
           </p:cNvPr>
@@ -235,6 +770,7 @@
               <a:rPr lang="da-DK"/>
               <a:t>Klik for at redigere undertiteltypografien i masteren</a:t>
             </a:r>
+            <a:endParaRPr lang="en-GB"/>
           </a:p>
         </p:txBody>
       </p:sp>
@@ -243,7 +779,7 @@
           <p:cNvPr id="4" name="Pladsholder til dato 3">
             <a:extLst>
               <a:ext uri="{FF2B5EF4-FFF2-40B4-BE49-F238E27FC236}">
-                <a16:creationId xmlns:a16="http://schemas.microsoft.com/office/drawing/2014/main" id="{78259965-8452-4842-9D9E-8FC2FB62EE5A}"/>
+                <a16:creationId xmlns:a16="http://schemas.microsoft.com/office/drawing/2014/main" id="{9CF44658-2D6F-45F3-94A8-96D7685F4BE6}"/>
               </a:ext>
             </a:extLst>
           </p:cNvPr>
@@ -261,7 +797,7 @@
           <a:p>
             <a:fld id="{F3E0A018-13ED-C849-8DF8-669B77B60C0D}" type="datetimeFigureOut">
               <a:rPr lang="da-DK" smtClean="0"/>
-              <a:t>06/01/2019</a:t>
+              <a:t>08-01-2019</a:t>
             </a:fld>
             <a:endParaRPr lang="da-DK"/>
           </a:p>
@@ -272,7 +808,7 @@
           <p:cNvPr id="5" name="Pladsholder til sidefod 4">
             <a:extLst>
               <a:ext uri="{FF2B5EF4-FFF2-40B4-BE49-F238E27FC236}">
-                <a16:creationId xmlns:a16="http://schemas.microsoft.com/office/drawing/2014/main" id="{26688444-776C-2744-8D97-50426F04730C}"/>
+                <a16:creationId xmlns:a16="http://schemas.microsoft.com/office/drawing/2014/main" id="{5206B0E8-5D38-479C-A8E6-22852DDCC454}"/>
               </a:ext>
             </a:extLst>
           </p:cNvPr>
@@ -297,7 +833,7 @@
           <p:cNvPr id="6" name="Pladsholder til slidenummer 5">
             <a:extLst>
               <a:ext uri="{FF2B5EF4-FFF2-40B4-BE49-F238E27FC236}">
-                <a16:creationId xmlns:a16="http://schemas.microsoft.com/office/drawing/2014/main" id="{44575CF0-DD2D-4C4A-88DF-F7AA598BFEA5}"/>
+                <a16:creationId xmlns:a16="http://schemas.microsoft.com/office/drawing/2014/main" id="{466EFFAC-CE45-4C06-9909-E47AEFF28061}"/>
               </a:ext>
             </a:extLst>
           </p:cNvPr>
@@ -324,7 +860,7 @@
     </p:spTree>
     <p:extLst>
       <p:ext uri="{BB962C8B-B14F-4D97-AF65-F5344CB8AC3E}">
-        <p14:creationId xmlns:p14="http://schemas.microsoft.com/office/powerpoint/2010/main" val="2509980301"/>
+        <p14:creationId xmlns:p14="http://schemas.microsoft.com/office/powerpoint/2010/main" val="3822691658"/>
       </p:ext>
     </p:extLst>
   </p:cSld>
@@ -356,7 +892,7 @@
           <p:cNvPr id="2" name="Titel 1">
             <a:extLst>
               <a:ext uri="{FF2B5EF4-FFF2-40B4-BE49-F238E27FC236}">
-                <a16:creationId xmlns:a16="http://schemas.microsoft.com/office/drawing/2014/main" id="{2914787A-5B5D-E146-8F4F-132BA04788D4}"/>
+                <a16:creationId xmlns:a16="http://schemas.microsoft.com/office/drawing/2014/main" id="{11E03B3F-C53F-42A9-BA46-6C391B48BF1D}"/>
               </a:ext>
             </a:extLst>
           </p:cNvPr>
@@ -374,17 +910,18 @@
           <a:p>
             <a:r>
               <a:rPr lang="da-DK"/>
-              <a:t>Klik for at redigere i master</a:t>
-            </a:r>
-          </a:p>
-        </p:txBody>
-      </p:sp>
-      <p:sp>
-        <p:nvSpPr>
-          <p:cNvPr id="3" name="Pladsholder til lodret tekst 2">
-            <a:extLst>
-              <a:ext uri="{FF2B5EF4-FFF2-40B4-BE49-F238E27FC236}">
-                <a16:creationId xmlns:a16="http://schemas.microsoft.com/office/drawing/2014/main" id="{795B592A-4531-4F4A-984C-3CDB94C761AE}"/>
+              <a:t>Klik for at redigere titeltypografien i masteren</a:t>
+            </a:r>
+            <a:endParaRPr lang="en-GB"/>
+          </a:p>
+        </p:txBody>
+      </p:sp>
+      <p:sp>
+        <p:nvSpPr>
+          <p:cNvPr id="3" name="Pladsholder til lodret titel 2">
+            <a:extLst>
+              <a:ext uri="{FF2B5EF4-FFF2-40B4-BE49-F238E27FC236}">
+                <a16:creationId xmlns:a16="http://schemas.microsoft.com/office/drawing/2014/main" id="{921DF821-1DE0-4ECB-BC6F-6F742A817BC4}"/>
               </a:ext>
             </a:extLst>
           </p:cNvPr>
@@ -403,7 +940,7 @@
             <a:pPr lvl="0"/>
             <a:r>
               <a:rPr lang="da-DK"/>
-              <a:t>Rediger typografien i masterens</a:t>
+              <a:t>Rediger teksttypografien i masteren</a:t>
             </a:r>
           </a:p>
           <a:p>
@@ -433,6 +970,7 @@
               <a:rPr lang="da-DK"/>
               <a:t>Femte niveau</a:t>
             </a:r>
+            <a:endParaRPr lang="en-GB"/>
           </a:p>
         </p:txBody>
       </p:sp>
@@ -441,7 +979,7 @@
           <p:cNvPr id="4" name="Pladsholder til dato 3">
             <a:extLst>
               <a:ext uri="{FF2B5EF4-FFF2-40B4-BE49-F238E27FC236}">
-                <a16:creationId xmlns:a16="http://schemas.microsoft.com/office/drawing/2014/main" id="{956D91FC-48E2-A042-B7E3-2F2D8B2D1C03}"/>
+                <a16:creationId xmlns:a16="http://schemas.microsoft.com/office/drawing/2014/main" id="{9EF11D76-1F79-46E1-9BFB-0337880A45FF}"/>
               </a:ext>
             </a:extLst>
           </p:cNvPr>
@@ -459,7 +997,7 @@
           <a:p>
             <a:fld id="{F3E0A018-13ED-C849-8DF8-669B77B60C0D}" type="datetimeFigureOut">
               <a:rPr lang="da-DK" smtClean="0"/>
-              <a:t>06/01/2019</a:t>
+              <a:t>08-01-2019</a:t>
             </a:fld>
             <a:endParaRPr lang="da-DK"/>
           </a:p>
@@ -470,7 +1008,7 @@
           <p:cNvPr id="5" name="Pladsholder til sidefod 4">
             <a:extLst>
               <a:ext uri="{FF2B5EF4-FFF2-40B4-BE49-F238E27FC236}">
-                <a16:creationId xmlns:a16="http://schemas.microsoft.com/office/drawing/2014/main" id="{F4FCAC63-54CD-CE41-9A81-364ADB25FC80}"/>
+                <a16:creationId xmlns:a16="http://schemas.microsoft.com/office/drawing/2014/main" id="{D700D2C5-78C2-40F4-86DF-D2A3888E2AE3}"/>
               </a:ext>
             </a:extLst>
           </p:cNvPr>
@@ -495,7 +1033,7 @@
           <p:cNvPr id="6" name="Pladsholder til slidenummer 5">
             <a:extLst>
               <a:ext uri="{FF2B5EF4-FFF2-40B4-BE49-F238E27FC236}">
-                <a16:creationId xmlns:a16="http://schemas.microsoft.com/office/drawing/2014/main" id="{07B7F544-685A-4649-B505-3484DF670766}"/>
+                <a16:creationId xmlns:a16="http://schemas.microsoft.com/office/drawing/2014/main" id="{E4479475-E339-4F7A-BD1D-BC3FA79BEFE6}"/>
               </a:ext>
             </a:extLst>
           </p:cNvPr>
@@ -522,7 +1060,7 @@
     </p:spTree>
     <p:extLst>
       <p:ext uri="{BB962C8B-B14F-4D97-AF65-F5344CB8AC3E}">
-        <p14:creationId xmlns:p14="http://schemas.microsoft.com/office/powerpoint/2010/main" val="4106019251"/>
+        <p14:creationId xmlns:p14="http://schemas.microsoft.com/office/powerpoint/2010/main" val="103222077"/>
       </p:ext>
     </p:extLst>
   </p:cSld>
@@ -554,7 +1092,7 @@
           <p:cNvPr id="2" name="Lodret titel 1">
             <a:extLst>
               <a:ext uri="{FF2B5EF4-FFF2-40B4-BE49-F238E27FC236}">
-                <a16:creationId xmlns:a16="http://schemas.microsoft.com/office/drawing/2014/main" id="{EC49E3F2-E1FE-AF43-BEF7-2CD1CDE303A1}"/>
+                <a16:creationId xmlns:a16="http://schemas.microsoft.com/office/drawing/2014/main" id="{E9746E0D-583B-4AD2-AA3E-39B8B796FB79}"/>
               </a:ext>
             </a:extLst>
           </p:cNvPr>
@@ -577,17 +1115,18 @@
           <a:p>
             <a:r>
               <a:rPr lang="da-DK"/>
-              <a:t>Klik for at redigere i master</a:t>
-            </a:r>
-          </a:p>
-        </p:txBody>
-      </p:sp>
-      <p:sp>
-        <p:nvSpPr>
-          <p:cNvPr id="3" name="Pladsholder til lodret tekst 2">
-            <a:extLst>
-              <a:ext uri="{FF2B5EF4-FFF2-40B4-BE49-F238E27FC236}">
-                <a16:creationId xmlns:a16="http://schemas.microsoft.com/office/drawing/2014/main" id="{0F9E1757-1CE9-9342-8D4A-81EF3215877B}"/>
+              <a:t>Klik for at redigere titeltypografien i masteren</a:t>
+            </a:r>
+            <a:endParaRPr lang="en-GB"/>
+          </a:p>
+        </p:txBody>
+      </p:sp>
+      <p:sp>
+        <p:nvSpPr>
+          <p:cNvPr id="3" name="Pladsholder til lodret titel 2">
+            <a:extLst>
+              <a:ext uri="{FF2B5EF4-FFF2-40B4-BE49-F238E27FC236}">
+                <a16:creationId xmlns:a16="http://schemas.microsoft.com/office/drawing/2014/main" id="{6C952AC2-D461-4DF0-B697-C2E89AF8DC7C}"/>
               </a:ext>
             </a:extLst>
           </p:cNvPr>
@@ -611,7 +1150,7 @@
             <a:pPr lvl="0"/>
             <a:r>
               <a:rPr lang="da-DK"/>
-              <a:t>Rediger typografien i masterens</a:t>
+              <a:t>Rediger teksttypografien i masteren</a:t>
             </a:r>
           </a:p>
           <a:p>
@@ -641,6 +1180,7 @@
               <a:rPr lang="da-DK"/>
               <a:t>Femte niveau</a:t>
             </a:r>
+            <a:endParaRPr lang="en-GB"/>
           </a:p>
         </p:txBody>
       </p:sp>
@@ -649,7 +1189,7 @@
           <p:cNvPr id="4" name="Pladsholder til dato 3">
             <a:extLst>
               <a:ext uri="{FF2B5EF4-FFF2-40B4-BE49-F238E27FC236}">
-                <a16:creationId xmlns:a16="http://schemas.microsoft.com/office/drawing/2014/main" id="{A43A2456-3293-8547-AE17-A270453E299A}"/>
+                <a16:creationId xmlns:a16="http://schemas.microsoft.com/office/drawing/2014/main" id="{833AB2F4-8EA7-4159-A3DB-8E842A629B45}"/>
               </a:ext>
             </a:extLst>
           </p:cNvPr>
@@ -667,7 +1207,7 @@
           <a:p>
             <a:fld id="{F3E0A018-13ED-C849-8DF8-669B77B60C0D}" type="datetimeFigureOut">
               <a:rPr lang="da-DK" smtClean="0"/>
-              <a:t>06/01/2019</a:t>
+              <a:t>08-01-2019</a:t>
             </a:fld>
             <a:endParaRPr lang="da-DK"/>
           </a:p>
@@ -678,7 +1218,7 @@
           <p:cNvPr id="5" name="Pladsholder til sidefod 4">
             <a:extLst>
               <a:ext uri="{FF2B5EF4-FFF2-40B4-BE49-F238E27FC236}">
-                <a16:creationId xmlns:a16="http://schemas.microsoft.com/office/drawing/2014/main" id="{008D3CCC-6DB5-DC42-8D47-23A3FAD1D475}"/>
+                <a16:creationId xmlns:a16="http://schemas.microsoft.com/office/drawing/2014/main" id="{9E783895-F979-42F0-BD39-03CDB89204AA}"/>
               </a:ext>
             </a:extLst>
           </p:cNvPr>
@@ -703,7 +1243,7 @@
           <p:cNvPr id="6" name="Pladsholder til slidenummer 5">
             <a:extLst>
               <a:ext uri="{FF2B5EF4-FFF2-40B4-BE49-F238E27FC236}">
-                <a16:creationId xmlns:a16="http://schemas.microsoft.com/office/drawing/2014/main" id="{C392D4A0-97A6-9246-A5D8-1C72E537CE4D}"/>
+                <a16:creationId xmlns:a16="http://schemas.microsoft.com/office/drawing/2014/main" id="{B27150E4-21A8-4B96-8607-521BAF6F3575}"/>
               </a:ext>
             </a:extLst>
           </p:cNvPr>
@@ -730,7 +1270,7 @@
     </p:spTree>
     <p:extLst>
       <p:ext uri="{BB962C8B-B14F-4D97-AF65-F5344CB8AC3E}">
-        <p14:creationId xmlns:p14="http://schemas.microsoft.com/office/powerpoint/2010/main" val="146567957"/>
+        <p14:creationId xmlns:p14="http://schemas.microsoft.com/office/powerpoint/2010/main" val="1083349968"/>
       </p:ext>
     </p:extLst>
   </p:cSld>
@@ -762,7 +1302,7 @@
           <p:cNvPr id="2" name="Titel 1">
             <a:extLst>
               <a:ext uri="{FF2B5EF4-FFF2-40B4-BE49-F238E27FC236}">
-                <a16:creationId xmlns:a16="http://schemas.microsoft.com/office/drawing/2014/main" id="{CF363BD6-5465-6C47-BDB9-6C732D97E131}"/>
+                <a16:creationId xmlns:a16="http://schemas.microsoft.com/office/drawing/2014/main" id="{5EA12F4E-E559-46D7-8C62-46E90190BCED}"/>
               </a:ext>
             </a:extLst>
           </p:cNvPr>
@@ -780,8 +1320,9 @@
           <a:p>
             <a:r>
               <a:rPr lang="da-DK"/>
-              <a:t>Klik for at redigere i master</a:t>
-            </a:r>
+              <a:t>Klik for at redigere titeltypografien i masteren</a:t>
+            </a:r>
+            <a:endParaRPr lang="en-GB"/>
           </a:p>
         </p:txBody>
       </p:sp>
@@ -790,7 +1331,7 @@
           <p:cNvPr id="3" name="Pladsholder til indhold 2">
             <a:extLst>
               <a:ext uri="{FF2B5EF4-FFF2-40B4-BE49-F238E27FC236}">
-                <a16:creationId xmlns:a16="http://schemas.microsoft.com/office/drawing/2014/main" id="{4F2C0CF8-ECB4-084E-A4E5-DE36F4486F2F}"/>
+                <a16:creationId xmlns:a16="http://schemas.microsoft.com/office/drawing/2014/main" id="{296DC751-06F8-44C4-87AE-BA5B740E25AF}"/>
               </a:ext>
             </a:extLst>
           </p:cNvPr>
@@ -809,7 +1350,7 @@
             <a:pPr lvl="0"/>
             <a:r>
               <a:rPr lang="da-DK"/>
-              <a:t>Rediger typografien i masterens</a:t>
+              <a:t>Rediger teksttypografien i masteren</a:t>
             </a:r>
           </a:p>
           <a:p>
@@ -839,6 +1380,7 @@
               <a:rPr lang="da-DK"/>
               <a:t>Femte niveau</a:t>
             </a:r>
+            <a:endParaRPr lang="en-GB"/>
           </a:p>
         </p:txBody>
       </p:sp>
@@ -847,7 +1389,7 @@
           <p:cNvPr id="4" name="Pladsholder til dato 3">
             <a:extLst>
               <a:ext uri="{FF2B5EF4-FFF2-40B4-BE49-F238E27FC236}">
-                <a16:creationId xmlns:a16="http://schemas.microsoft.com/office/drawing/2014/main" id="{23632705-37A5-FF43-A496-B4BBF50A6E8E}"/>
+                <a16:creationId xmlns:a16="http://schemas.microsoft.com/office/drawing/2014/main" id="{DC80F186-DB4F-4BBF-BC91-82CDA4CDE095}"/>
               </a:ext>
             </a:extLst>
           </p:cNvPr>
@@ -865,7 +1407,7 @@
           <a:p>
             <a:fld id="{F3E0A018-13ED-C849-8DF8-669B77B60C0D}" type="datetimeFigureOut">
               <a:rPr lang="da-DK" smtClean="0"/>
-              <a:t>06/01/2019</a:t>
+              <a:t>08-01-2019</a:t>
             </a:fld>
             <a:endParaRPr lang="da-DK"/>
           </a:p>
@@ -876,7 +1418,7 @@
           <p:cNvPr id="5" name="Pladsholder til sidefod 4">
             <a:extLst>
               <a:ext uri="{FF2B5EF4-FFF2-40B4-BE49-F238E27FC236}">
-                <a16:creationId xmlns:a16="http://schemas.microsoft.com/office/drawing/2014/main" id="{53FD9751-9CFA-E14C-9A1B-FE69281CE933}"/>
+                <a16:creationId xmlns:a16="http://schemas.microsoft.com/office/drawing/2014/main" id="{3CD0559F-10A5-4160-AAC0-ED7D0C2F488C}"/>
               </a:ext>
             </a:extLst>
           </p:cNvPr>
@@ -901,7 +1443,7 @@
           <p:cNvPr id="6" name="Pladsholder til slidenummer 5">
             <a:extLst>
               <a:ext uri="{FF2B5EF4-FFF2-40B4-BE49-F238E27FC236}">
-                <a16:creationId xmlns:a16="http://schemas.microsoft.com/office/drawing/2014/main" id="{0367FFCE-DCC8-F744-9B18-9642FCA3C273}"/>
+                <a16:creationId xmlns:a16="http://schemas.microsoft.com/office/drawing/2014/main" id="{44FDFAEB-F166-4B56-9852-DDE30097C0A0}"/>
               </a:ext>
             </a:extLst>
           </p:cNvPr>
@@ -928,7 +1470,7 @@
     </p:spTree>
     <p:extLst>
       <p:ext uri="{BB962C8B-B14F-4D97-AF65-F5344CB8AC3E}">
-        <p14:creationId xmlns:p14="http://schemas.microsoft.com/office/powerpoint/2010/main" val="310834324"/>
+        <p14:creationId xmlns:p14="http://schemas.microsoft.com/office/powerpoint/2010/main" val="354521775"/>
       </p:ext>
     </p:extLst>
   </p:cSld>
@@ -940,7 +1482,7 @@
 
 <file path=ppt/slideLayouts/slideLayout3.xml><?xml version="1.0" encoding="utf-8"?>
 <p:sldLayout xmlns:a="http://schemas.openxmlformats.org/drawingml/2006/main" xmlns:r="http://schemas.openxmlformats.org/officeDocument/2006/relationships" xmlns:p="http://schemas.openxmlformats.org/presentationml/2006/main" type="secHead" preserve="1">
-  <p:cSld name="Sektionsoverskrift">
+  <p:cSld name="Afsnitsoverskrift">
     <p:spTree>
       <p:nvGrpSpPr>
         <p:cNvPr id="1" name=""/>
@@ -960,7 +1502,7 @@
           <p:cNvPr id="2" name="Titel 1">
             <a:extLst>
               <a:ext uri="{FF2B5EF4-FFF2-40B4-BE49-F238E27FC236}">
-                <a16:creationId xmlns:a16="http://schemas.microsoft.com/office/drawing/2014/main" id="{9114041E-1319-ED4F-97E3-6DDA1B843667}"/>
+                <a16:creationId xmlns:a16="http://schemas.microsoft.com/office/drawing/2014/main" id="{46878C2B-C3A2-48DD-A175-53EB1B34A62A}"/>
               </a:ext>
             </a:extLst>
           </p:cNvPr>
@@ -987,8 +1529,9 @@
           <a:p>
             <a:r>
               <a:rPr lang="da-DK"/>
-              <a:t>Klik for at redigere i master</a:t>
-            </a:r>
+              <a:t>Klik for at redigere titeltypografien i masteren</a:t>
+            </a:r>
+            <a:endParaRPr lang="en-GB"/>
           </a:p>
         </p:txBody>
       </p:sp>
@@ -997,7 +1540,7 @@
           <p:cNvPr id="3" name="Pladsholder til tekst 2">
             <a:extLst>
               <a:ext uri="{FF2B5EF4-FFF2-40B4-BE49-F238E27FC236}">
-                <a16:creationId xmlns:a16="http://schemas.microsoft.com/office/drawing/2014/main" id="{652BB7F5-2260-A943-8294-FC4FFDCF1B57}"/>
+                <a16:creationId xmlns:a16="http://schemas.microsoft.com/office/drawing/2014/main" id="{0ABE1FD5-3881-42B3-ADD8-9FC37C718C0F}"/>
               </a:ext>
             </a:extLst>
           </p:cNvPr>
@@ -1112,7 +1655,7 @@
             <a:pPr lvl="0"/>
             <a:r>
               <a:rPr lang="da-DK"/>
-              <a:t>Rediger typografien i masterens</a:t>
+              <a:t>Rediger teksttypografien i masteren</a:t>
             </a:r>
           </a:p>
         </p:txBody>
@@ -1122,7 +1665,7 @@
           <p:cNvPr id="4" name="Pladsholder til dato 3">
             <a:extLst>
               <a:ext uri="{FF2B5EF4-FFF2-40B4-BE49-F238E27FC236}">
-                <a16:creationId xmlns:a16="http://schemas.microsoft.com/office/drawing/2014/main" id="{60415A28-63C6-0F46-B561-7F8303BE04E0}"/>
+                <a16:creationId xmlns:a16="http://schemas.microsoft.com/office/drawing/2014/main" id="{8729EC2C-508F-4160-80D6-B986821122EA}"/>
               </a:ext>
             </a:extLst>
           </p:cNvPr>
@@ -1140,7 +1683,7 @@
           <a:p>
             <a:fld id="{F3E0A018-13ED-C849-8DF8-669B77B60C0D}" type="datetimeFigureOut">
               <a:rPr lang="da-DK" smtClean="0"/>
-              <a:t>06/01/2019</a:t>
+              <a:t>08-01-2019</a:t>
             </a:fld>
             <a:endParaRPr lang="da-DK"/>
           </a:p>
@@ -1151,7 +1694,7 @@
           <p:cNvPr id="5" name="Pladsholder til sidefod 4">
             <a:extLst>
               <a:ext uri="{FF2B5EF4-FFF2-40B4-BE49-F238E27FC236}">
-                <a16:creationId xmlns:a16="http://schemas.microsoft.com/office/drawing/2014/main" id="{263A81C2-612A-6B40-B9A6-D512E92F61F7}"/>
+                <a16:creationId xmlns:a16="http://schemas.microsoft.com/office/drawing/2014/main" id="{3C89FA48-5FCE-4693-B2BC-21CB255056B1}"/>
               </a:ext>
             </a:extLst>
           </p:cNvPr>
@@ -1176,7 +1719,7 @@
           <p:cNvPr id="6" name="Pladsholder til slidenummer 5">
             <a:extLst>
               <a:ext uri="{FF2B5EF4-FFF2-40B4-BE49-F238E27FC236}">
-                <a16:creationId xmlns:a16="http://schemas.microsoft.com/office/drawing/2014/main" id="{A2B27CC2-B6F4-944D-B523-4CE057E29815}"/>
+                <a16:creationId xmlns:a16="http://schemas.microsoft.com/office/drawing/2014/main" id="{744E2C0C-3775-4BED-AE2A-8E4A4E185E12}"/>
               </a:ext>
             </a:extLst>
           </p:cNvPr>
@@ -1203,7 +1746,7 @@
     </p:spTree>
     <p:extLst>
       <p:ext uri="{BB962C8B-B14F-4D97-AF65-F5344CB8AC3E}">
-        <p14:creationId xmlns:p14="http://schemas.microsoft.com/office/powerpoint/2010/main" val="1357214518"/>
+        <p14:creationId xmlns:p14="http://schemas.microsoft.com/office/powerpoint/2010/main" val="1249493184"/>
       </p:ext>
     </p:extLst>
   </p:cSld>
@@ -1235,7 +1778,7 @@
           <p:cNvPr id="2" name="Titel 1">
             <a:extLst>
               <a:ext uri="{FF2B5EF4-FFF2-40B4-BE49-F238E27FC236}">
-                <a16:creationId xmlns:a16="http://schemas.microsoft.com/office/drawing/2014/main" id="{5AA23411-0608-7F45-8693-93861D12EB3A}"/>
+                <a16:creationId xmlns:a16="http://schemas.microsoft.com/office/drawing/2014/main" id="{D5714608-3C08-463C-ACFF-87C94EC8FFC7}"/>
               </a:ext>
             </a:extLst>
           </p:cNvPr>
@@ -1253,8 +1796,9 @@
           <a:p>
             <a:r>
               <a:rPr lang="da-DK"/>
-              <a:t>Klik for at redigere i master</a:t>
-            </a:r>
+              <a:t>Klik for at redigere titeltypografien i masteren</a:t>
+            </a:r>
+            <a:endParaRPr lang="en-GB"/>
           </a:p>
         </p:txBody>
       </p:sp>
@@ -1263,7 +1807,7 @@
           <p:cNvPr id="3" name="Pladsholder til indhold 2">
             <a:extLst>
               <a:ext uri="{FF2B5EF4-FFF2-40B4-BE49-F238E27FC236}">
-                <a16:creationId xmlns:a16="http://schemas.microsoft.com/office/drawing/2014/main" id="{2752FBF8-2D68-3A40-B809-6CBDF83D5987}"/>
+                <a16:creationId xmlns:a16="http://schemas.microsoft.com/office/drawing/2014/main" id="{014CAAE9-FF4D-4737-841E-2265FD4D56F2}"/>
               </a:ext>
             </a:extLst>
           </p:cNvPr>
@@ -1287,7 +1831,7 @@
             <a:pPr lvl="0"/>
             <a:r>
               <a:rPr lang="da-DK"/>
-              <a:t>Rediger typografien i masterens</a:t>
+              <a:t>Rediger teksttypografien i masteren</a:t>
             </a:r>
           </a:p>
           <a:p>
@@ -1317,6 +1861,7 @@
               <a:rPr lang="da-DK"/>
               <a:t>Femte niveau</a:t>
             </a:r>
+            <a:endParaRPr lang="en-GB"/>
           </a:p>
         </p:txBody>
       </p:sp>
@@ -1325,7 +1870,7 @@
           <p:cNvPr id="4" name="Pladsholder til indhold 3">
             <a:extLst>
               <a:ext uri="{FF2B5EF4-FFF2-40B4-BE49-F238E27FC236}">
-                <a16:creationId xmlns:a16="http://schemas.microsoft.com/office/drawing/2014/main" id="{8D127052-E669-EA42-A962-C3B4E3C51E95}"/>
+                <a16:creationId xmlns:a16="http://schemas.microsoft.com/office/drawing/2014/main" id="{EF540E9C-0795-42EB-86F1-E40E5BC4D225}"/>
               </a:ext>
             </a:extLst>
           </p:cNvPr>
@@ -1349,7 +1894,7 @@
             <a:pPr lvl="0"/>
             <a:r>
               <a:rPr lang="da-DK"/>
-              <a:t>Rediger typografien i masterens</a:t>
+              <a:t>Rediger teksttypografien i masteren</a:t>
             </a:r>
           </a:p>
           <a:p>
@@ -1379,6 +1924,7 @@
               <a:rPr lang="da-DK"/>
               <a:t>Femte niveau</a:t>
             </a:r>
+            <a:endParaRPr lang="en-GB"/>
           </a:p>
         </p:txBody>
       </p:sp>
@@ -1387,7 +1933,7 @@
           <p:cNvPr id="5" name="Pladsholder til dato 4">
             <a:extLst>
               <a:ext uri="{FF2B5EF4-FFF2-40B4-BE49-F238E27FC236}">
-                <a16:creationId xmlns:a16="http://schemas.microsoft.com/office/drawing/2014/main" id="{4DFEE01C-6F94-0B45-9817-99F83E80B802}"/>
+                <a16:creationId xmlns:a16="http://schemas.microsoft.com/office/drawing/2014/main" id="{0CF85DBB-14AF-4FAA-8A27-AC1AE518115D}"/>
               </a:ext>
             </a:extLst>
           </p:cNvPr>
@@ -1405,7 +1951,7 @@
           <a:p>
             <a:fld id="{F3E0A018-13ED-C849-8DF8-669B77B60C0D}" type="datetimeFigureOut">
               <a:rPr lang="da-DK" smtClean="0"/>
-              <a:t>06/01/2019</a:t>
+              <a:t>08-01-2019</a:t>
             </a:fld>
             <a:endParaRPr lang="da-DK"/>
           </a:p>
@@ -1416,7 +1962,7 @@
           <p:cNvPr id="6" name="Pladsholder til sidefod 5">
             <a:extLst>
               <a:ext uri="{FF2B5EF4-FFF2-40B4-BE49-F238E27FC236}">
-                <a16:creationId xmlns:a16="http://schemas.microsoft.com/office/drawing/2014/main" id="{5A648843-4A36-9949-AE98-21E6B03E5F03}"/>
+                <a16:creationId xmlns:a16="http://schemas.microsoft.com/office/drawing/2014/main" id="{0129E9F7-A22D-458E-9706-23A64EAC515F}"/>
               </a:ext>
             </a:extLst>
           </p:cNvPr>
@@ -1441,7 +1987,7 @@
           <p:cNvPr id="7" name="Pladsholder til slidenummer 6">
             <a:extLst>
               <a:ext uri="{FF2B5EF4-FFF2-40B4-BE49-F238E27FC236}">
-                <a16:creationId xmlns:a16="http://schemas.microsoft.com/office/drawing/2014/main" id="{944CC049-C739-2242-AAFE-169142D8F6C1}"/>
+                <a16:creationId xmlns:a16="http://schemas.microsoft.com/office/drawing/2014/main" id="{E3A17BCC-00D9-4FC5-8F4C-D1DF97D69D10}"/>
               </a:ext>
             </a:extLst>
           </p:cNvPr>
@@ -1468,7 +2014,7 @@
     </p:spTree>
     <p:extLst>
       <p:ext uri="{BB962C8B-B14F-4D97-AF65-F5344CB8AC3E}">
-        <p14:creationId xmlns:p14="http://schemas.microsoft.com/office/powerpoint/2010/main" val="2358637525"/>
+        <p14:creationId xmlns:p14="http://schemas.microsoft.com/office/powerpoint/2010/main" val="495199080"/>
       </p:ext>
     </p:extLst>
   </p:cSld>
@@ -1500,7 +2046,7 @@
           <p:cNvPr id="2" name="Titel 1">
             <a:extLst>
               <a:ext uri="{FF2B5EF4-FFF2-40B4-BE49-F238E27FC236}">
-                <a16:creationId xmlns:a16="http://schemas.microsoft.com/office/drawing/2014/main" id="{3B801A74-D6FE-404D-B6D9-E62A07BB1CE1}"/>
+                <a16:creationId xmlns:a16="http://schemas.microsoft.com/office/drawing/2014/main" id="{42982EA0-7139-4040-8760-4C93184553CA}"/>
               </a:ext>
             </a:extLst>
           </p:cNvPr>
@@ -1523,8 +2069,9 @@
           <a:p>
             <a:r>
               <a:rPr lang="da-DK"/>
-              <a:t>Klik for at redigere i master</a:t>
-            </a:r>
+              <a:t>Klik for at redigere titeltypografien i masteren</a:t>
+            </a:r>
+            <a:endParaRPr lang="en-GB"/>
           </a:p>
         </p:txBody>
       </p:sp>
@@ -1533,7 +2080,7 @@
           <p:cNvPr id="3" name="Pladsholder til tekst 2">
             <a:extLst>
               <a:ext uri="{FF2B5EF4-FFF2-40B4-BE49-F238E27FC236}">
-                <a16:creationId xmlns:a16="http://schemas.microsoft.com/office/drawing/2014/main" id="{0578B038-CD0F-9749-9DF4-DE41AEFF31B7}"/>
+                <a16:creationId xmlns:a16="http://schemas.microsoft.com/office/drawing/2014/main" id="{9383A3AF-C5F1-40BD-ADA9-8520510EA1E5}"/>
               </a:ext>
             </a:extLst>
           </p:cNvPr>
@@ -1594,7 +2141,7 @@
             <a:pPr lvl="0"/>
             <a:r>
               <a:rPr lang="da-DK"/>
-              <a:t>Rediger typografien i masterens</a:t>
+              <a:t>Rediger teksttypografien i masteren</a:t>
             </a:r>
           </a:p>
         </p:txBody>
@@ -1604,7 +2151,7 @@
           <p:cNvPr id="4" name="Pladsholder til indhold 3">
             <a:extLst>
               <a:ext uri="{FF2B5EF4-FFF2-40B4-BE49-F238E27FC236}">
-                <a16:creationId xmlns:a16="http://schemas.microsoft.com/office/drawing/2014/main" id="{5C918470-F591-A149-A2A1-021E6C5B1C5C}"/>
+                <a16:creationId xmlns:a16="http://schemas.microsoft.com/office/drawing/2014/main" id="{17AD550E-AD39-464B-92B0-F0C3CB53471F}"/>
               </a:ext>
             </a:extLst>
           </p:cNvPr>
@@ -1628,7 +2175,7 @@
             <a:pPr lvl="0"/>
             <a:r>
               <a:rPr lang="da-DK"/>
-              <a:t>Rediger typografien i masterens</a:t>
+              <a:t>Rediger teksttypografien i masteren</a:t>
             </a:r>
           </a:p>
           <a:p>
@@ -1658,6 +2205,7 @@
               <a:rPr lang="da-DK"/>
               <a:t>Femte niveau</a:t>
             </a:r>
+            <a:endParaRPr lang="en-GB"/>
           </a:p>
         </p:txBody>
       </p:sp>
@@ -1666,7 +2214,7 @@
           <p:cNvPr id="5" name="Pladsholder til tekst 4">
             <a:extLst>
               <a:ext uri="{FF2B5EF4-FFF2-40B4-BE49-F238E27FC236}">
-                <a16:creationId xmlns:a16="http://schemas.microsoft.com/office/drawing/2014/main" id="{E78F5355-51BA-B142-9C21-0412FC54CE1C}"/>
+                <a16:creationId xmlns:a16="http://schemas.microsoft.com/office/drawing/2014/main" id="{FF8959F7-481B-4E70-8865-2D5AF016074C}"/>
               </a:ext>
             </a:extLst>
           </p:cNvPr>
@@ -1727,7 +2275,7 @@
             <a:pPr lvl="0"/>
             <a:r>
               <a:rPr lang="da-DK"/>
-              <a:t>Rediger typografien i masterens</a:t>
+              <a:t>Rediger teksttypografien i masteren</a:t>
             </a:r>
           </a:p>
         </p:txBody>
@@ -1737,7 +2285,7 @@
           <p:cNvPr id="6" name="Pladsholder til indhold 5">
             <a:extLst>
               <a:ext uri="{FF2B5EF4-FFF2-40B4-BE49-F238E27FC236}">
-                <a16:creationId xmlns:a16="http://schemas.microsoft.com/office/drawing/2014/main" id="{0B796FB8-8400-AD44-BE2D-BAD5902FA5FE}"/>
+                <a16:creationId xmlns:a16="http://schemas.microsoft.com/office/drawing/2014/main" id="{12911EE9-4ACC-4FEB-9290-79AA082063E2}"/>
               </a:ext>
             </a:extLst>
           </p:cNvPr>
@@ -1761,7 +2309,7 @@
             <a:pPr lvl="0"/>
             <a:r>
               <a:rPr lang="da-DK"/>
-              <a:t>Rediger typografien i masterens</a:t>
+              <a:t>Rediger teksttypografien i masteren</a:t>
             </a:r>
           </a:p>
           <a:p>
@@ -1791,6 +2339,7 @@
               <a:rPr lang="da-DK"/>
               <a:t>Femte niveau</a:t>
             </a:r>
+            <a:endParaRPr lang="en-GB"/>
           </a:p>
         </p:txBody>
       </p:sp>
@@ -1799,7 +2348,7 @@
           <p:cNvPr id="7" name="Pladsholder til dato 6">
             <a:extLst>
               <a:ext uri="{FF2B5EF4-FFF2-40B4-BE49-F238E27FC236}">
-                <a16:creationId xmlns:a16="http://schemas.microsoft.com/office/drawing/2014/main" id="{4470AB16-7644-3D44-BC05-0F9253CE7F33}"/>
+                <a16:creationId xmlns:a16="http://schemas.microsoft.com/office/drawing/2014/main" id="{5D11E5AE-1218-4ED1-BA23-4DF294ADECB2}"/>
               </a:ext>
             </a:extLst>
           </p:cNvPr>
@@ -1817,7 +2366,7 @@
           <a:p>
             <a:fld id="{F3E0A018-13ED-C849-8DF8-669B77B60C0D}" type="datetimeFigureOut">
               <a:rPr lang="da-DK" smtClean="0"/>
-              <a:t>06/01/2019</a:t>
+              <a:t>08-01-2019</a:t>
             </a:fld>
             <a:endParaRPr lang="da-DK"/>
           </a:p>
@@ -1828,7 +2377,7 @@
           <p:cNvPr id="8" name="Pladsholder til sidefod 7">
             <a:extLst>
               <a:ext uri="{FF2B5EF4-FFF2-40B4-BE49-F238E27FC236}">
-                <a16:creationId xmlns:a16="http://schemas.microsoft.com/office/drawing/2014/main" id="{9B628AE9-1CF4-B540-965F-69890E66DEC7}"/>
+                <a16:creationId xmlns:a16="http://schemas.microsoft.com/office/drawing/2014/main" id="{482CEC2D-B353-4A76-BA36-A5C7231C907A}"/>
               </a:ext>
             </a:extLst>
           </p:cNvPr>
@@ -1853,7 +2402,7 @@
           <p:cNvPr id="9" name="Pladsholder til slidenummer 8">
             <a:extLst>
               <a:ext uri="{FF2B5EF4-FFF2-40B4-BE49-F238E27FC236}">
-                <a16:creationId xmlns:a16="http://schemas.microsoft.com/office/drawing/2014/main" id="{A35F3E96-B1C2-B24B-9A8F-B8B772DEBBEF}"/>
+                <a16:creationId xmlns:a16="http://schemas.microsoft.com/office/drawing/2014/main" id="{F6109E27-0F17-4C6C-8556-2F54AA10D505}"/>
               </a:ext>
             </a:extLst>
           </p:cNvPr>
@@ -1880,7 +2429,7 @@
     </p:spTree>
     <p:extLst>
       <p:ext uri="{BB962C8B-B14F-4D97-AF65-F5344CB8AC3E}">
-        <p14:creationId xmlns:p14="http://schemas.microsoft.com/office/powerpoint/2010/main" val="1962411104"/>
+        <p14:creationId xmlns:p14="http://schemas.microsoft.com/office/powerpoint/2010/main" val="4229660651"/>
       </p:ext>
     </p:extLst>
   </p:cSld>
@@ -1912,7 +2461,7 @@
           <p:cNvPr id="2" name="Titel 1">
             <a:extLst>
               <a:ext uri="{FF2B5EF4-FFF2-40B4-BE49-F238E27FC236}">
-                <a16:creationId xmlns:a16="http://schemas.microsoft.com/office/drawing/2014/main" id="{FAA7EB1F-36BA-174F-81CA-954C6517782A}"/>
+                <a16:creationId xmlns:a16="http://schemas.microsoft.com/office/drawing/2014/main" id="{C94729E6-5A53-4354-949F-28EF27B35EC1}"/>
               </a:ext>
             </a:extLst>
           </p:cNvPr>
@@ -1930,8 +2479,9 @@
           <a:p>
             <a:r>
               <a:rPr lang="da-DK"/>
-              <a:t>Klik for at redigere i master</a:t>
-            </a:r>
+              <a:t>Klik for at redigere titeltypografien i masteren</a:t>
+            </a:r>
+            <a:endParaRPr lang="en-GB"/>
           </a:p>
         </p:txBody>
       </p:sp>
@@ -1940,7 +2490,7 @@
           <p:cNvPr id="3" name="Pladsholder til dato 2">
             <a:extLst>
               <a:ext uri="{FF2B5EF4-FFF2-40B4-BE49-F238E27FC236}">
-                <a16:creationId xmlns:a16="http://schemas.microsoft.com/office/drawing/2014/main" id="{8A2552C3-3855-D140-BD92-B3AD21BB4B8A}"/>
+                <a16:creationId xmlns:a16="http://schemas.microsoft.com/office/drawing/2014/main" id="{D8E63043-8E2E-49EB-9DA5-238E686B5084}"/>
               </a:ext>
             </a:extLst>
           </p:cNvPr>
@@ -1958,7 +2508,7 @@
           <a:p>
             <a:fld id="{F3E0A018-13ED-C849-8DF8-669B77B60C0D}" type="datetimeFigureOut">
               <a:rPr lang="da-DK" smtClean="0"/>
-              <a:t>06/01/2019</a:t>
+              <a:t>08-01-2019</a:t>
             </a:fld>
             <a:endParaRPr lang="da-DK"/>
           </a:p>
@@ -1969,7 +2519,7 @@
           <p:cNvPr id="4" name="Pladsholder til sidefod 3">
             <a:extLst>
               <a:ext uri="{FF2B5EF4-FFF2-40B4-BE49-F238E27FC236}">
-                <a16:creationId xmlns:a16="http://schemas.microsoft.com/office/drawing/2014/main" id="{54D0857F-70D6-FC44-91A4-658123CAB4BB}"/>
+                <a16:creationId xmlns:a16="http://schemas.microsoft.com/office/drawing/2014/main" id="{C5C9984A-7753-4359-8015-06E3AF5A9F18}"/>
               </a:ext>
             </a:extLst>
           </p:cNvPr>
@@ -1994,7 +2544,7 @@
           <p:cNvPr id="5" name="Pladsholder til slidenummer 4">
             <a:extLst>
               <a:ext uri="{FF2B5EF4-FFF2-40B4-BE49-F238E27FC236}">
-                <a16:creationId xmlns:a16="http://schemas.microsoft.com/office/drawing/2014/main" id="{1C7E6054-9646-EC4F-91B1-422ABACC0DE4}"/>
+                <a16:creationId xmlns:a16="http://schemas.microsoft.com/office/drawing/2014/main" id="{F3E734EF-3551-4BC9-B73F-AA1B1A98591A}"/>
               </a:ext>
             </a:extLst>
           </p:cNvPr>
@@ -2021,7 +2571,7 @@
     </p:spTree>
     <p:extLst>
       <p:ext uri="{BB962C8B-B14F-4D97-AF65-F5344CB8AC3E}">
-        <p14:creationId xmlns:p14="http://schemas.microsoft.com/office/powerpoint/2010/main" val="3729982940"/>
+        <p14:creationId xmlns:p14="http://schemas.microsoft.com/office/powerpoint/2010/main" val="2665210447"/>
       </p:ext>
     </p:extLst>
   </p:cSld>
@@ -2053,7 +2603,7 @@
           <p:cNvPr id="2" name="Pladsholder til dato 1">
             <a:extLst>
               <a:ext uri="{FF2B5EF4-FFF2-40B4-BE49-F238E27FC236}">
-                <a16:creationId xmlns:a16="http://schemas.microsoft.com/office/drawing/2014/main" id="{828CD944-4753-764A-AECC-3D5EF195DE99}"/>
+                <a16:creationId xmlns:a16="http://schemas.microsoft.com/office/drawing/2014/main" id="{3D19E735-9D70-4E67-85DC-7265E78B1A8F}"/>
               </a:ext>
             </a:extLst>
           </p:cNvPr>
@@ -2071,7 +2621,7 @@
           <a:p>
             <a:fld id="{F3E0A018-13ED-C849-8DF8-669B77B60C0D}" type="datetimeFigureOut">
               <a:rPr lang="da-DK" smtClean="0"/>
-              <a:t>06/01/2019</a:t>
+              <a:t>08-01-2019</a:t>
             </a:fld>
             <a:endParaRPr lang="da-DK"/>
           </a:p>
@@ -2082,7 +2632,7 @@
           <p:cNvPr id="3" name="Pladsholder til sidefod 2">
             <a:extLst>
               <a:ext uri="{FF2B5EF4-FFF2-40B4-BE49-F238E27FC236}">
-                <a16:creationId xmlns:a16="http://schemas.microsoft.com/office/drawing/2014/main" id="{498F4C9C-A23D-BE49-AD4F-0C1064C460E7}"/>
+                <a16:creationId xmlns:a16="http://schemas.microsoft.com/office/drawing/2014/main" id="{BB950FCC-DA09-4C9C-90AA-32B28E4A8B6F}"/>
               </a:ext>
             </a:extLst>
           </p:cNvPr>
@@ -2107,7 +2657,7 @@
           <p:cNvPr id="4" name="Pladsholder til slidenummer 3">
             <a:extLst>
               <a:ext uri="{FF2B5EF4-FFF2-40B4-BE49-F238E27FC236}">
-                <a16:creationId xmlns:a16="http://schemas.microsoft.com/office/drawing/2014/main" id="{EBB89BBD-F85F-1947-8C1B-3B022CF0DB02}"/>
+                <a16:creationId xmlns:a16="http://schemas.microsoft.com/office/drawing/2014/main" id="{CAD420CD-06F6-4A91-9054-B0ECD535EDA1}"/>
               </a:ext>
             </a:extLst>
           </p:cNvPr>
@@ -2134,7 +2684,7 @@
     </p:spTree>
     <p:extLst>
       <p:ext uri="{BB962C8B-B14F-4D97-AF65-F5344CB8AC3E}">
-        <p14:creationId xmlns:p14="http://schemas.microsoft.com/office/powerpoint/2010/main" val="3579379841"/>
+        <p14:creationId xmlns:p14="http://schemas.microsoft.com/office/powerpoint/2010/main" val="3119231191"/>
       </p:ext>
     </p:extLst>
   </p:cSld>
@@ -2166,7 +2716,7 @@
           <p:cNvPr id="2" name="Titel 1">
             <a:extLst>
               <a:ext uri="{FF2B5EF4-FFF2-40B4-BE49-F238E27FC236}">
-                <a16:creationId xmlns:a16="http://schemas.microsoft.com/office/drawing/2014/main" id="{68FF4DFD-71E2-3641-B001-5E8AA94CA3C5}"/>
+                <a16:creationId xmlns:a16="http://schemas.microsoft.com/office/drawing/2014/main" id="{7FEE40BB-0053-4D2C-9A7E-DF41A40B7CCA}"/>
               </a:ext>
             </a:extLst>
           </p:cNvPr>
@@ -2193,8 +2743,9 @@
           <a:p>
             <a:r>
               <a:rPr lang="da-DK"/>
-              <a:t>Klik for at redigere i master</a:t>
-            </a:r>
+              <a:t>Klik for at redigere titeltypografien i masteren</a:t>
+            </a:r>
+            <a:endParaRPr lang="en-GB"/>
           </a:p>
         </p:txBody>
       </p:sp>
@@ -2203,7 +2754,7 @@
           <p:cNvPr id="3" name="Pladsholder til indhold 2">
             <a:extLst>
               <a:ext uri="{FF2B5EF4-FFF2-40B4-BE49-F238E27FC236}">
-                <a16:creationId xmlns:a16="http://schemas.microsoft.com/office/drawing/2014/main" id="{3B1419B9-1A87-6B42-88E3-8E312840153B}"/>
+                <a16:creationId xmlns:a16="http://schemas.microsoft.com/office/drawing/2014/main" id="{0E2CD4E7-C13B-4722-A532-80E510709C5A}"/>
               </a:ext>
             </a:extLst>
           </p:cNvPr>
@@ -2255,7 +2806,7 @@
             <a:pPr lvl="0"/>
             <a:r>
               <a:rPr lang="da-DK"/>
-              <a:t>Rediger typografien i masterens</a:t>
+              <a:t>Rediger teksttypografien i masteren</a:t>
             </a:r>
           </a:p>
           <a:p>
@@ -2285,6 +2836,7 @@
               <a:rPr lang="da-DK"/>
               <a:t>Femte niveau</a:t>
             </a:r>
+            <a:endParaRPr lang="en-GB"/>
           </a:p>
         </p:txBody>
       </p:sp>
@@ -2293,7 +2845,7 @@
           <p:cNvPr id="4" name="Pladsholder til tekst 3">
             <a:extLst>
               <a:ext uri="{FF2B5EF4-FFF2-40B4-BE49-F238E27FC236}">
-                <a16:creationId xmlns:a16="http://schemas.microsoft.com/office/drawing/2014/main" id="{D29D65C0-B559-B048-B37E-122870B4F816}"/>
+                <a16:creationId xmlns:a16="http://schemas.microsoft.com/office/drawing/2014/main" id="{718737D6-30E4-41EF-9EB0-38F61A6EDFCD}"/>
               </a:ext>
             </a:extLst>
           </p:cNvPr>
@@ -2354,7 +2906,7 @@
             <a:pPr lvl="0"/>
             <a:r>
               <a:rPr lang="da-DK"/>
-              <a:t>Rediger typografien i masterens</a:t>
+              <a:t>Rediger teksttypografien i masteren</a:t>
             </a:r>
           </a:p>
         </p:txBody>
@@ -2364,7 +2916,7 @@
           <p:cNvPr id="5" name="Pladsholder til dato 4">
             <a:extLst>
               <a:ext uri="{FF2B5EF4-FFF2-40B4-BE49-F238E27FC236}">
-                <a16:creationId xmlns:a16="http://schemas.microsoft.com/office/drawing/2014/main" id="{9964BB64-EC1D-3447-BDB0-25ACC5C03CAC}"/>
+                <a16:creationId xmlns:a16="http://schemas.microsoft.com/office/drawing/2014/main" id="{CBE7898F-69BB-4D76-9F43-92D27756CBDA}"/>
               </a:ext>
             </a:extLst>
           </p:cNvPr>
@@ -2382,7 +2934,7 @@
           <a:p>
             <a:fld id="{F3E0A018-13ED-C849-8DF8-669B77B60C0D}" type="datetimeFigureOut">
               <a:rPr lang="da-DK" smtClean="0"/>
-              <a:t>06/01/2019</a:t>
+              <a:t>08-01-2019</a:t>
             </a:fld>
             <a:endParaRPr lang="da-DK"/>
           </a:p>
@@ -2393,7 +2945,7 @@
           <p:cNvPr id="6" name="Pladsholder til sidefod 5">
             <a:extLst>
               <a:ext uri="{FF2B5EF4-FFF2-40B4-BE49-F238E27FC236}">
-                <a16:creationId xmlns:a16="http://schemas.microsoft.com/office/drawing/2014/main" id="{3D351C7B-2917-5B47-BA04-B40CAB15BCC1}"/>
+                <a16:creationId xmlns:a16="http://schemas.microsoft.com/office/drawing/2014/main" id="{7258A97E-736E-4369-B67B-BF14D922FA85}"/>
               </a:ext>
             </a:extLst>
           </p:cNvPr>
@@ -2418,7 +2970,7 @@
           <p:cNvPr id="7" name="Pladsholder til slidenummer 6">
             <a:extLst>
               <a:ext uri="{FF2B5EF4-FFF2-40B4-BE49-F238E27FC236}">
-                <a16:creationId xmlns:a16="http://schemas.microsoft.com/office/drawing/2014/main" id="{B9240570-4F0E-2E48-A7B7-F4E922000536}"/>
+                <a16:creationId xmlns:a16="http://schemas.microsoft.com/office/drawing/2014/main" id="{7CDEC31C-D8CF-4332-B229-861BDBE93429}"/>
               </a:ext>
             </a:extLst>
           </p:cNvPr>
@@ -2445,7 +2997,7 @@
     </p:spTree>
     <p:extLst>
       <p:ext uri="{BB962C8B-B14F-4D97-AF65-F5344CB8AC3E}">
-        <p14:creationId xmlns:p14="http://schemas.microsoft.com/office/powerpoint/2010/main" val="1856603013"/>
+        <p14:creationId xmlns:p14="http://schemas.microsoft.com/office/powerpoint/2010/main" val="1173634722"/>
       </p:ext>
     </p:extLst>
   </p:cSld>
@@ -2477,7 +3029,7 @@
           <p:cNvPr id="2" name="Titel 1">
             <a:extLst>
               <a:ext uri="{FF2B5EF4-FFF2-40B4-BE49-F238E27FC236}">
-                <a16:creationId xmlns:a16="http://schemas.microsoft.com/office/drawing/2014/main" id="{D81B2AF3-655C-5E44-A608-4C2220870A46}"/>
+                <a16:creationId xmlns:a16="http://schemas.microsoft.com/office/drawing/2014/main" id="{14271CD3-4E5E-4E10-A8B0-BBFFD9C38153}"/>
               </a:ext>
             </a:extLst>
           </p:cNvPr>
@@ -2504,8 +3056,9 @@
           <a:p>
             <a:r>
               <a:rPr lang="da-DK"/>
-              <a:t>Klik for at redigere i master</a:t>
-            </a:r>
+              <a:t>Klik for at redigere titeltypografien i masteren</a:t>
+            </a:r>
+            <a:endParaRPr lang="en-GB"/>
           </a:p>
         </p:txBody>
       </p:sp>
@@ -2514,7 +3067,7 @@
           <p:cNvPr id="3" name="Pladsholder til billede 2">
             <a:extLst>
               <a:ext uri="{FF2B5EF4-FFF2-40B4-BE49-F238E27FC236}">
-                <a16:creationId xmlns:a16="http://schemas.microsoft.com/office/drawing/2014/main" id="{FA8219A0-DE8B-3043-A7AA-05FFFBAB0B69}"/>
+                <a16:creationId xmlns:a16="http://schemas.microsoft.com/office/drawing/2014/main" id="{E02C2A5B-D110-4A3A-A675-9848BE68C499}"/>
               </a:ext>
             </a:extLst>
           </p:cNvPr>
@@ -2572,7 +3125,7 @@
             </a:lvl9pPr>
           </a:lstStyle>
           <a:p>
-            <a:endParaRPr lang="da-DK"/>
+            <a:endParaRPr lang="en-GB"/>
           </a:p>
         </p:txBody>
       </p:sp>
@@ -2581,7 +3134,7 @@
           <p:cNvPr id="4" name="Pladsholder til tekst 3">
             <a:extLst>
               <a:ext uri="{FF2B5EF4-FFF2-40B4-BE49-F238E27FC236}">
-                <a16:creationId xmlns:a16="http://schemas.microsoft.com/office/drawing/2014/main" id="{D10E629C-7506-104A-9CB0-45BA08187023}"/>
+                <a16:creationId xmlns:a16="http://schemas.microsoft.com/office/drawing/2014/main" id="{24B3FA86-D9BE-4688-913D-D1A906A0E920}"/>
               </a:ext>
             </a:extLst>
           </p:cNvPr>
@@ -2642,7 +3195,7 @@
             <a:pPr lvl="0"/>
             <a:r>
               <a:rPr lang="da-DK"/>
-              <a:t>Rediger typografien i masterens</a:t>
+              <a:t>Rediger teksttypografien i masteren</a:t>
             </a:r>
           </a:p>
         </p:txBody>
@@ -2652,7 +3205,7 @@
           <p:cNvPr id="5" name="Pladsholder til dato 4">
             <a:extLst>
               <a:ext uri="{FF2B5EF4-FFF2-40B4-BE49-F238E27FC236}">
-                <a16:creationId xmlns:a16="http://schemas.microsoft.com/office/drawing/2014/main" id="{E9210E32-5FC4-A148-9D88-FA786900ED61}"/>
+                <a16:creationId xmlns:a16="http://schemas.microsoft.com/office/drawing/2014/main" id="{6794C88B-C117-4423-B3DC-5399BAF4727F}"/>
               </a:ext>
             </a:extLst>
           </p:cNvPr>
@@ -2670,7 +3223,7 @@
           <a:p>
             <a:fld id="{F3E0A018-13ED-C849-8DF8-669B77B60C0D}" type="datetimeFigureOut">
               <a:rPr lang="da-DK" smtClean="0"/>
-              <a:t>06/01/2019</a:t>
+              <a:t>08-01-2019</a:t>
             </a:fld>
             <a:endParaRPr lang="da-DK"/>
           </a:p>
@@ -2681,7 +3234,7 @@
           <p:cNvPr id="6" name="Pladsholder til sidefod 5">
             <a:extLst>
               <a:ext uri="{FF2B5EF4-FFF2-40B4-BE49-F238E27FC236}">
-                <a16:creationId xmlns:a16="http://schemas.microsoft.com/office/drawing/2014/main" id="{70A941CA-F010-B741-BC22-9D14605F0363}"/>
+                <a16:creationId xmlns:a16="http://schemas.microsoft.com/office/drawing/2014/main" id="{E91DE3E0-6CEF-4E8F-ABC6-7E1E54B94DEE}"/>
               </a:ext>
             </a:extLst>
           </p:cNvPr>
@@ -2706,7 +3259,7 @@
           <p:cNvPr id="7" name="Pladsholder til slidenummer 6">
             <a:extLst>
               <a:ext uri="{FF2B5EF4-FFF2-40B4-BE49-F238E27FC236}">
-                <a16:creationId xmlns:a16="http://schemas.microsoft.com/office/drawing/2014/main" id="{978C1968-7D4F-C74E-A343-2C5310A63242}"/>
+                <a16:creationId xmlns:a16="http://schemas.microsoft.com/office/drawing/2014/main" id="{ED1BFB89-7713-4476-B79B-BA15375536E8}"/>
               </a:ext>
             </a:extLst>
           </p:cNvPr>
@@ -2733,7 +3286,7 @@
     </p:spTree>
     <p:extLst>
       <p:ext uri="{BB962C8B-B14F-4D97-AF65-F5344CB8AC3E}">
-        <p14:creationId xmlns:p14="http://schemas.microsoft.com/office/powerpoint/2010/main" val="3210928113"/>
+        <p14:creationId xmlns:p14="http://schemas.microsoft.com/office/powerpoint/2010/main" val="1023441738"/>
       </p:ext>
     </p:extLst>
   </p:cSld>
@@ -2770,7 +3323,7 @@
           <p:cNvPr id="2" name="Pladsholder til titel 1">
             <a:extLst>
               <a:ext uri="{FF2B5EF4-FFF2-40B4-BE49-F238E27FC236}">
-                <a16:creationId xmlns:a16="http://schemas.microsoft.com/office/drawing/2014/main" id="{A63CABEA-D16B-B540-B042-EDC7F2CE5301}"/>
+                <a16:creationId xmlns:a16="http://schemas.microsoft.com/office/drawing/2014/main" id="{574848FA-CECC-4815-AD5D-2E3D33555D1C}"/>
               </a:ext>
             </a:extLst>
           </p:cNvPr>
@@ -2798,8 +3351,9 @@
           <a:p>
             <a:r>
               <a:rPr lang="da-DK"/>
-              <a:t>Klik for at redigere i master</a:t>
-            </a:r>
+              <a:t>Klik for at redigere titeltypografien i masteren</a:t>
+            </a:r>
+            <a:endParaRPr lang="en-GB"/>
           </a:p>
         </p:txBody>
       </p:sp>
@@ -2808,7 +3362,7 @@
           <p:cNvPr id="3" name="Pladsholder til tekst 2">
             <a:extLst>
               <a:ext uri="{FF2B5EF4-FFF2-40B4-BE49-F238E27FC236}">
-                <a16:creationId xmlns:a16="http://schemas.microsoft.com/office/drawing/2014/main" id="{444BD49E-3A60-E344-B15E-3CCD58B16DA7}"/>
+                <a16:creationId xmlns:a16="http://schemas.microsoft.com/office/drawing/2014/main" id="{525E3D3E-C803-49AF-88EC-4CEEC0361C28}"/>
               </a:ext>
             </a:extLst>
           </p:cNvPr>
@@ -2837,7 +3391,7 @@
             <a:pPr lvl="0"/>
             <a:r>
               <a:rPr lang="da-DK"/>
-              <a:t>Rediger typografien i masterens</a:t>
+              <a:t>Rediger teksttypografien i masteren</a:t>
             </a:r>
           </a:p>
           <a:p>
@@ -2867,6 +3421,7 @@
               <a:rPr lang="da-DK"/>
               <a:t>Femte niveau</a:t>
             </a:r>
+            <a:endParaRPr lang="en-GB"/>
           </a:p>
         </p:txBody>
       </p:sp>
@@ -2875,7 +3430,7 @@
           <p:cNvPr id="4" name="Pladsholder til dato 3">
             <a:extLst>
               <a:ext uri="{FF2B5EF4-FFF2-40B4-BE49-F238E27FC236}">
-                <a16:creationId xmlns:a16="http://schemas.microsoft.com/office/drawing/2014/main" id="{71DC90D5-21CB-2646-848D-7AA83BD2E6AB}"/>
+                <a16:creationId xmlns:a16="http://schemas.microsoft.com/office/drawing/2014/main" id="{AAA3C8E5-631F-4DDE-BF7C-D8AC232A1F7E}"/>
               </a:ext>
             </a:extLst>
           </p:cNvPr>
@@ -2911,7 +3466,7 @@
           <a:p>
             <a:fld id="{F3E0A018-13ED-C849-8DF8-669B77B60C0D}" type="datetimeFigureOut">
               <a:rPr lang="da-DK" smtClean="0"/>
-              <a:t>06/01/2019</a:t>
+              <a:t>08-01-2019</a:t>
             </a:fld>
             <a:endParaRPr lang="da-DK"/>
           </a:p>
@@ -2922,7 +3477,7 @@
           <p:cNvPr id="5" name="Pladsholder til sidefod 4">
             <a:extLst>
               <a:ext uri="{FF2B5EF4-FFF2-40B4-BE49-F238E27FC236}">
-                <a16:creationId xmlns:a16="http://schemas.microsoft.com/office/drawing/2014/main" id="{FAF82435-961C-0E42-9D83-95692A0E18F5}"/>
+                <a16:creationId xmlns:a16="http://schemas.microsoft.com/office/drawing/2014/main" id="{B25B7513-BED3-40BA-B2BC-5DBD520834E1}"/>
               </a:ext>
             </a:extLst>
           </p:cNvPr>
@@ -2965,7 +3520,7 @@
           <p:cNvPr id="6" name="Pladsholder til slidenummer 5">
             <a:extLst>
               <a:ext uri="{FF2B5EF4-FFF2-40B4-BE49-F238E27FC236}">
-                <a16:creationId xmlns:a16="http://schemas.microsoft.com/office/drawing/2014/main" id="{0380F5ED-5664-EF46-A5C0-2139174CFFB4}"/>
+                <a16:creationId xmlns:a16="http://schemas.microsoft.com/office/drawing/2014/main" id="{644AD2F0-8BE2-4EBB-8A18-0C0BAE28F1BF}"/>
               </a:ext>
             </a:extLst>
           </p:cNvPr>
@@ -3010,23 +3565,23 @@
     </p:spTree>
     <p:extLst>
       <p:ext uri="{BB962C8B-B14F-4D97-AF65-F5344CB8AC3E}">
-        <p14:creationId xmlns:p14="http://schemas.microsoft.com/office/powerpoint/2010/main" val="3759314233"/>
+        <p14:creationId xmlns:p14="http://schemas.microsoft.com/office/powerpoint/2010/main" val="346422192"/>
       </p:ext>
     </p:extLst>
   </p:cSld>
   <p:clrMap bg1="lt1" tx1="dk1" bg2="lt2" tx2="dk2" accent1="accent1" accent2="accent2" accent3="accent3" accent4="accent4" accent5="accent5" accent6="accent6" hlink="hlink" folHlink="folHlink"/>
   <p:sldLayoutIdLst>
-    <p:sldLayoutId id="2147483649" r:id="rId1"/>
-    <p:sldLayoutId id="2147483650" r:id="rId2"/>
-    <p:sldLayoutId id="2147483651" r:id="rId3"/>
-    <p:sldLayoutId id="2147483652" r:id="rId4"/>
-    <p:sldLayoutId id="2147483653" r:id="rId5"/>
-    <p:sldLayoutId id="2147483654" r:id="rId6"/>
-    <p:sldLayoutId id="2147483655" r:id="rId7"/>
-    <p:sldLayoutId id="2147483656" r:id="rId8"/>
-    <p:sldLayoutId id="2147483657" r:id="rId9"/>
-    <p:sldLayoutId id="2147483658" r:id="rId10"/>
-    <p:sldLayoutId id="2147483659" r:id="rId11"/>
+    <p:sldLayoutId id="2147483661" r:id="rId1"/>
+    <p:sldLayoutId id="2147483662" r:id="rId2"/>
+    <p:sldLayoutId id="2147483663" r:id="rId3"/>
+    <p:sldLayoutId id="2147483664" r:id="rId4"/>
+    <p:sldLayoutId id="2147483665" r:id="rId5"/>
+    <p:sldLayoutId id="2147483666" r:id="rId6"/>
+    <p:sldLayoutId id="2147483667" r:id="rId7"/>
+    <p:sldLayoutId id="2147483668" r:id="rId8"/>
+    <p:sldLayoutId id="2147483669" r:id="rId9"/>
+    <p:sldLayoutId id="2147483670" r:id="rId10"/>
+    <p:sldLayoutId id="2147483671" r:id="rId11"/>
   </p:sldLayoutIdLst>
   <p:txStyles>
     <p:titleStyle>
@@ -3214,7 +3769,7 @@
     </p:bodyStyle>
     <p:otherStyle>
       <a:defPPr>
-        <a:defRPr lang="da-DK"/>
+        <a:defRPr lang="en-US"/>
       </a:defPPr>
       <a:lvl1pPr marL="0" algn="l" defTabSz="914400" rtl="0" eaLnBrk="1" latinLnBrk="0" hangingPunct="1">
         <a:defRPr sz="1800" kern="1200">
@@ -3477,7 +4032,7 @@
             </a:r>
             <a:r>
               <a:rPr lang="da-DK" dirty="0"/>
-              <a:t> Language – får elementer frem på et site.</a:t>
+              <a:t> Language – elementer.</a:t>
             </a:r>
           </a:p>
           <a:p>
@@ -3486,7 +4041,7 @@
           <a:p>
             <a:r>
               <a:rPr lang="da-DK" dirty="0"/>
-              <a:t>Gøres ved brug af tags som &lt;h1&gt;, &lt;a&gt;, &lt;</a:t>
+              <a:t>Tags ex. &lt;h1&gt;, &lt;a&gt;, &lt;</a:t>
             </a:r>
             <a:r>
               <a:rPr lang="da-DK" dirty="0" err="1"/>
@@ -3498,13 +4053,10 @@
             </a:r>
           </a:p>
           <a:p>
+            <a:pPr marL="0" indent="0">
+              <a:buNone/>
+            </a:pPr>
             <a:endParaRPr lang="da-DK" dirty="0"/>
-          </a:p>
-          <a:p>
-            <a:r>
-              <a:rPr lang="da-DK" dirty="0"/>
-              <a:t>Kan også henvise til andre HTML sider eller HTML filer</a:t>
-            </a:r>
           </a:p>
         </p:txBody>
       </p:sp>
@@ -3548,264 +4100,6 @@
       </p:grpSpPr>
       <p:sp>
         <p:nvSpPr>
-          <p:cNvPr id="15" name="Freeform 11">
-            <a:extLst>
-              <a:ext uri="{FF2B5EF4-FFF2-40B4-BE49-F238E27FC236}">
-                <a16:creationId xmlns:a16="http://schemas.microsoft.com/office/drawing/2014/main" id="{A0BF428C-DA8B-4D99-9930-18F7F91D873D}"/>
-              </a:ext>
-              <a:ext uri="{C183D7F6-B498-43B3-948B-1728B52AA6E4}">
-                <adec:decorative xmlns:adec="http://schemas.microsoft.com/office/drawing/2017/decorative" val="1"/>
-              </a:ext>
-            </a:extLst>
-          </p:cNvPr>
-          <p:cNvSpPr>
-            <a:spLocks noGrp="1" noRot="1" noChangeAspect="1" noMove="1" noResize="1" noEditPoints="1" noAdjustHandles="1" noChangeArrowheads="1" noChangeShapeType="1" noTextEdit="1"/>
-          </p:cNvSpPr>
-          <p:nvPr>
-            <p:extLst>
-              <p:ext uri="{386F3935-93C4-4BCD-93E2-E3B085C9AB24}">
-                <p16:designElem xmlns:p16="http://schemas.microsoft.com/office/powerpoint/2015/main" val="1"/>
-              </p:ext>
-            </p:extLst>
-          </p:nvPr>
-        </p:nvSpPr>
-        <p:spPr>
-          <a:xfrm>
-            <a:off x="4876801" y="1690688"/>
-            <a:ext cx="7316944" cy="5167312"/>
-          </a:xfrm>
-          <a:custGeom>
-            <a:avLst/>
-            <a:gdLst>
-              <a:gd name="connsiteX0" fmla="*/ 0 w 7316944"/>
-              <a:gd name="connsiteY0" fmla="*/ 0 h 5167312"/>
-              <a:gd name="connsiteX1" fmla="*/ 7316944 w 7316944"/>
-              <a:gd name="connsiteY1" fmla="*/ 0 h 5167312"/>
-              <a:gd name="connsiteX2" fmla="*/ 7316944 w 7316944"/>
-              <a:gd name="connsiteY2" fmla="*/ 5167312 h 5167312"/>
-              <a:gd name="connsiteX3" fmla="*/ 472697 w 7316944"/>
-              <a:gd name="connsiteY3" fmla="*/ 5167312 h 5167312"/>
-              <a:gd name="connsiteX4" fmla="*/ 2866576 w 7316944"/>
-              <a:gd name="connsiteY4" fmla="*/ 952 h 5167312"/>
-              <a:gd name="connsiteX5" fmla="*/ 0 w 7316944"/>
-              <a:gd name="connsiteY5" fmla="*/ 952 h 5167312"/>
-            </a:gdLst>
-            <a:ahLst/>
-            <a:cxnLst>
-              <a:cxn ang="0">
-                <a:pos x="connsiteX0" y="connsiteY0"/>
-              </a:cxn>
-              <a:cxn ang="0">
-                <a:pos x="connsiteX1" y="connsiteY1"/>
-              </a:cxn>
-              <a:cxn ang="0">
-                <a:pos x="connsiteX2" y="connsiteY2"/>
-              </a:cxn>
-              <a:cxn ang="0">
-                <a:pos x="connsiteX3" y="connsiteY3"/>
-              </a:cxn>
-              <a:cxn ang="0">
-                <a:pos x="connsiteX4" y="connsiteY4"/>
-              </a:cxn>
-              <a:cxn ang="0">
-                <a:pos x="connsiteX5" y="connsiteY5"/>
-              </a:cxn>
-            </a:cxnLst>
-            <a:rect l="l" t="t" r="r" b="b"/>
-            <a:pathLst>
-              <a:path w="7316944" h="5167312">
-                <a:moveTo>
-                  <a:pt x="0" y="0"/>
-                </a:moveTo>
-                <a:lnTo>
-                  <a:pt x="7316944" y="0"/>
-                </a:lnTo>
-                <a:lnTo>
-                  <a:pt x="7316944" y="5167312"/>
-                </a:lnTo>
-                <a:lnTo>
-                  <a:pt x="472697" y="5167312"/>
-                </a:lnTo>
-                <a:lnTo>
-                  <a:pt x="2866576" y="952"/>
-                </a:lnTo>
-                <a:lnTo>
-                  <a:pt x="0" y="952"/>
-                </a:lnTo>
-                <a:close/>
-              </a:path>
-            </a:pathLst>
-          </a:custGeom>
-          <a:solidFill>
-            <a:srgbClr val="A6A6A6">
-              <a:alpha val="70000"/>
-            </a:srgbClr>
-          </a:solidFill>
-          <a:ln>
-            <a:noFill/>
-          </a:ln>
-        </p:spPr>
-        <p:style>
-          <a:lnRef idx="2">
-            <a:schemeClr val="accent1">
-              <a:shade val="50000"/>
-            </a:schemeClr>
-          </a:lnRef>
-          <a:fillRef idx="1">
-            <a:schemeClr val="accent1"/>
-          </a:fillRef>
-          <a:effectRef idx="0">
-            <a:schemeClr val="accent1"/>
-          </a:effectRef>
-          <a:fontRef idx="minor">
-            <a:schemeClr val="lt1"/>
-          </a:fontRef>
-        </p:style>
-        <p:txBody>
-          <a:bodyPr wrap="square" rtlCol="0" anchor="ctr">
-            <a:noAutofit/>
-          </a:bodyPr>
-          <a:lstStyle/>
-          <a:p>
-            <a:pPr algn="ctr"/>
-            <a:endParaRPr lang="en-US"/>
-          </a:p>
-        </p:txBody>
-      </p:sp>
-      <p:sp>
-        <p:nvSpPr>
-          <p:cNvPr id="17" name="Freeform 37">
-            <a:extLst>
-              <a:ext uri="{FF2B5EF4-FFF2-40B4-BE49-F238E27FC236}">
-                <a16:creationId xmlns:a16="http://schemas.microsoft.com/office/drawing/2014/main" id="{A03E2379-8871-408A-95CE-7AAE8FA53AE5}"/>
-              </a:ext>
-              <a:ext uri="{C183D7F6-B498-43B3-948B-1728B52AA6E4}">
-                <adec:decorative xmlns:adec="http://schemas.microsoft.com/office/drawing/2017/decorative" val="1"/>
-              </a:ext>
-            </a:extLst>
-          </p:cNvPr>
-          <p:cNvSpPr>
-            <a:spLocks noGrp="1" noRot="1" noChangeAspect="1" noMove="1" noResize="1" noEditPoints="1" noAdjustHandles="1" noChangeArrowheads="1" noChangeShapeType="1" noTextEdit="1"/>
-          </p:cNvSpPr>
-          <p:nvPr>
-            <p:extLst>
-              <p:ext uri="{386F3935-93C4-4BCD-93E2-E3B085C9AB24}">
-                <p16:designElem xmlns:p16="http://schemas.microsoft.com/office/powerpoint/2015/main" val="1"/>
-              </p:ext>
-            </p:extLst>
-          </p:nvPr>
-        </p:nvSpPr>
-        <p:spPr>
-          <a:xfrm flipV="1">
-            <a:off x="-1746" y="1691164"/>
-            <a:ext cx="7571262" cy="5166360"/>
-          </a:xfrm>
-          <a:custGeom>
-            <a:avLst/>
-            <a:gdLst>
-              <a:gd name="connsiteX0" fmla="*/ 0 w 7571262"/>
-              <a:gd name="connsiteY0" fmla="*/ 5166360 h 5166360"/>
-              <a:gd name="connsiteX1" fmla="*/ 7571262 w 7571262"/>
-              <a:gd name="connsiteY1" fmla="*/ 5166360 h 5166360"/>
-              <a:gd name="connsiteX2" fmla="*/ 5177382 w 7571262"/>
-              <a:gd name="connsiteY2" fmla="*/ 0 h 5166360"/>
-              <a:gd name="connsiteX3" fmla="*/ 5171159 w 7571262"/>
-              <a:gd name="connsiteY3" fmla="*/ 0 h 5166360"/>
-              <a:gd name="connsiteX4" fmla="*/ 3981368 w 7571262"/>
-              <a:gd name="connsiteY4" fmla="*/ 0 h 5166360"/>
-              <a:gd name="connsiteX5" fmla="*/ 2331323 w 7571262"/>
-              <a:gd name="connsiteY5" fmla="*/ 0 h 5166360"/>
-              <a:gd name="connsiteX6" fmla="*/ 0 w 7571262"/>
-              <a:gd name="connsiteY6" fmla="*/ 0 h 5166360"/>
-            </a:gdLst>
-            <a:ahLst/>
-            <a:cxnLst>
-              <a:cxn ang="0">
-                <a:pos x="connsiteX0" y="connsiteY0"/>
-              </a:cxn>
-              <a:cxn ang="0">
-                <a:pos x="connsiteX1" y="connsiteY1"/>
-              </a:cxn>
-              <a:cxn ang="0">
-                <a:pos x="connsiteX2" y="connsiteY2"/>
-              </a:cxn>
-              <a:cxn ang="0">
-                <a:pos x="connsiteX3" y="connsiteY3"/>
-              </a:cxn>
-              <a:cxn ang="0">
-                <a:pos x="connsiteX4" y="connsiteY4"/>
-              </a:cxn>
-              <a:cxn ang="0">
-                <a:pos x="connsiteX5" y="connsiteY5"/>
-              </a:cxn>
-              <a:cxn ang="0">
-                <a:pos x="connsiteX6" y="connsiteY6"/>
-              </a:cxn>
-            </a:cxnLst>
-            <a:rect l="l" t="t" r="r" b="b"/>
-            <a:pathLst>
-              <a:path w="7571262" h="5166360">
-                <a:moveTo>
-                  <a:pt x="0" y="5166360"/>
-                </a:moveTo>
-                <a:lnTo>
-                  <a:pt x="7571262" y="5166360"/>
-                </a:lnTo>
-                <a:lnTo>
-                  <a:pt x="5177382" y="0"/>
-                </a:lnTo>
-                <a:lnTo>
-                  <a:pt x="5171159" y="0"/>
-                </a:lnTo>
-                <a:lnTo>
-                  <a:pt x="3981368" y="0"/>
-                </a:lnTo>
-                <a:lnTo>
-                  <a:pt x="2331323" y="0"/>
-                </a:lnTo>
-                <a:lnTo>
-                  <a:pt x="0" y="0"/>
-                </a:lnTo>
-                <a:close/>
-              </a:path>
-            </a:pathLst>
-          </a:custGeom>
-          <a:solidFill>
-            <a:srgbClr val="404040"/>
-          </a:solidFill>
-          <a:ln>
-            <a:noFill/>
-          </a:ln>
-        </p:spPr>
-        <p:style>
-          <a:lnRef idx="2">
-            <a:schemeClr val="accent1">
-              <a:shade val="50000"/>
-            </a:schemeClr>
-          </a:lnRef>
-          <a:fillRef idx="1">
-            <a:schemeClr val="accent1"/>
-          </a:fillRef>
-          <a:effectRef idx="0">
-            <a:schemeClr val="accent1"/>
-          </a:effectRef>
-          <a:fontRef idx="minor">
-            <a:schemeClr val="lt1"/>
-          </a:fontRef>
-        </p:style>
-        <p:txBody>
-          <a:bodyPr wrap="square" rtlCol="0" anchor="ctr">
-            <a:noAutofit/>
-          </a:bodyPr>
-          <a:lstStyle/>
-          <a:p>
-            <a:pPr algn="ctr"/>
-            <a:endParaRPr lang="en-US"/>
-          </a:p>
-        </p:txBody>
-      </p:sp>
-      <p:sp>
-        <p:nvSpPr>
           <p:cNvPr id="2" name="Titel 1">
             <a:extLst>
               <a:ext uri="{FF2B5EF4-FFF2-40B4-BE49-F238E27FC236}">
@@ -3820,12 +4114,7 @@
             <p:ph type="title"/>
           </p:nvPr>
         </p:nvSpPr>
-        <p:spPr>
-          <a:xfrm>
-            <a:off x="838200" y="365125"/>
-            <a:ext cx="10515600" cy="1325563"/>
-          </a:xfrm>
-        </p:spPr>
+        <p:spPr/>
         <p:txBody>
           <a:bodyPr>
             <a:normAutofit/>
@@ -3867,440 +4156,11 @@
           </a:bodyPr>
           <a:lstStyle/>
           <a:p>
-            <a:r>
-              <a:rPr lang="en-US" sz="2000" dirty="0" err="1">
-                <a:solidFill>
-                  <a:srgbClr val="FFFFFF"/>
-                </a:solidFill>
-              </a:rPr>
-              <a:t>Vores</a:t>
-            </a:r>
-            <a:r>
-              <a:rPr lang="en-US" sz="2000" dirty="0">
-                <a:solidFill>
-                  <a:srgbClr val="FFFFFF"/>
-                </a:solidFill>
-              </a:rPr>
-              <a:t> &lt;h2&gt; </a:t>
-            </a:r>
-            <a:r>
-              <a:rPr lang="en-US" sz="2000" dirty="0" err="1">
-                <a:solidFill>
-                  <a:srgbClr val="FFFFFF"/>
-                </a:solidFill>
-              </a:rPr>
-              <a:t>er</a:t>
-            </a:r>
-            <a:r>
-              <a:rPr lang="en-US" sz="2000" dirty="0">
-                <a:solidFill>
-                  <a:srgbClr val="FFFFFF"/>
-                </a:solidFill>
-              </a:rPr>
-              <a:t> I </a:t>
-            </a:r>
-            <a:r>
-              <a:rPr lang="en-US" sz="2000" dirty="0" err="1">
-                <a:solidFill>
-                  <a:srgbClr val="FFFFFF"/>
-                </a:solidFill>
-              </a:rPr>
-              <a:t>dette</a:t>
-            </a:r>
-            <a:r>
-              <a:rPr lang="en-US" sz="2000" dirty="0">
-                <a:solidFill>
-                  <a:srgbClr val="FFFFFF"/>
-                </a:solidFill>
-              </a:rPr>
-              <a:t> </a:t>
-            </a:r>
-            <a:r>
-              <a:rPr lang="en-US" sz="2000" dirty="0" err="1">
-                <a:solidFill>
-                  <a:srgbClr val="FFFFFF"/>
-                </a:solidFill>
-              </a:rPr>
-              <a:t>tilfælde</a:t>
-            </a:r>
-            <a:r>
-              <a:rPr lang="en-US" sz="2000" dirty="0">
-                <a:solidFill>
-                  <a:srgbClr val="FFFFFF"/>
-                </a:solidFill>
-              </a:rPr>
-              <a:t> ‘sign up for a course’, </a:t>
-            </a:r>
-            <a:r>
-              <a:rPr lang="en-US" sz="2000" dirty="0" err="1">
-                <a:solidFill>
-                  <a:srgbClr val="FFFFFF"/>
-                </a:solidFill>
-              </a:rPr>
-              <a:t>og</a:t>
-            </a:r>
-            <a:r>
-              <a:rPr lang="en-US" sz="2000" dirty="0">
-                <a:solidFill>
-                  <a:srgbClr val="FFFFFF"/>
-                </a:solidFill>
-              </a:rPr>
-              <a:t> </a:t>
-            </a:r>
-            <a:r>
-              <a:rPr lang="en-US" sz="2000" dirty="0" err="1">
-                <a:solidFill>
-                  <a:srgbClr val="FFFFFF"/>
-                </a:solidFill>
-              </a:rPr>
-              <a:t>vores</a:t>
-            </a:r>
-            <a:r>
-              <a:rPr lang="en-US" sz="2000" dirty="0">
-                <a:solidFill>
-                  <a:srgbClr val="FFFFFF"/>
-                </a:solidFill>
-              </a:rPr>
-              <a:t> &lt;p&gt; </a:t>
-            </a:r>
-            <a:r>
-              <a:rPr lang="en-US" sz="2000" dirty="0" err="1">
-                <a:solidFill>
-                  <a:srgbClr val="FFFFFF"/>
-                </a:solidFill>
-              </a:rPr>
-              <a:t>er</a:t>
-            </a:r>
-            <a:r>
-              <a:rPr lang="en-US" sz="2000" dirty="0">
-                <a:solidFill>
-                  <a:srgbClr val="FFFFFF"/>
-                </a:solidFill>
-              </a:rPr>
-              <a:t> </a:t>
-            </a:r>
-            <a:r>
-              <a:rPr lang="en-US" sz="2000" dirty="0" err="1">
-                <a:solidFill>
-                  <a:srgbClr val="FFFFFF"/>
-                </a:solidFill>
-              </a:rPr>
-              <a:t>teskten</a:t>
-            </a:r>
-            <a:r>
-              <a:rPr lang="en-US" sz="2000" dirty="0">
-                <a:solidFill>
-                  <a:srgbClr val="FFFFFF"/>
-                </a:solidFill>
-              </a:rPr>
-              <a:t> </a:t>
-            </a:r>
-            <a:r>
-              <a:rPr lang="en-US" sz="2000" dirty="0" err="1">
-                <a:solidFill>
-                  <a:srgbClr val="FFFFFF"/>
-                </a:solidFill>
-              </a:rPr>
-              <a:t>skrevet</a:t>
-            </a:r>
-            <a:r>
-              <a:rPr lang="en-US" sz="2000" dirty="0">
-                <a:solidFill>
-                  <a:srgbClr val="FFFFFF"/>
-                </a:solidFill>
-              </a:rPr>
-              <a:t> under. </a:t>
-            </a:r>
-          </a:p>
-          <a:p>
-            <a:r>
-              <a:rPr lang="en-US" sz="2000" dirty="0" err="1">
-                <a:solidFill>
-                  <a:srgbClr val="FFFFFF"/>
-                </a:solidFill>
-              </a:rPr>
-              <a:t>Øverste</a:t>
-            </a:r>
-            <a:r>
-              <a:rPr lang="en-US" sz="2000" dirty="0">
-                <a:solidFill>
-                  <a:srgbClr val="FFFFFF"/>
-                </a:solidFill>
-              </a:rPr>
-              <a:t> billed </a:t>
-            </a:r>
-            <a:r>
-              <a:rPr lang="en-US" sz="2000" dirty="0" err="1">
-                <a:solidFill>
-                  <a:srgbClr val="FFFFFF"/>
-                </a:solidFill>
-              </a:rPr>
-              <a:t>til</a:t>
-            </a:r>
-            <a:r>
-              <a:rPr lang="en-US" sz="2000" dirty="0">
-                <a:solidFill>
-                  <a:srgbClr val="FFFFFF"/>
-                </a:solidFill>
-              </a:rPr>
-              <a:t> </a:t>
-            </a:r>
-            <a:r>
-              <a:rPr lang="en-US" sz="2000" dirty="0" err="1">
-                <a:solidFill>
-                  <a:srgbClr val="FFFFFF"/>
-                </a:solidFill>
-              </a:rPr>
-              <a:t>højre</a:t>
-            </a:r>
-            <a:r>
-              <a:rPr lang="en-US" sz="2000" dirty="0">
-                <a:solidFill>
-                  <a:srgbClr val="FFFFFF"/>
-                </a:solidFill>
-              </a:rPr>
-              <a:t> </a:t>
-            </a:r>
-            <a:r>
-              <a:rPr lang="en-US" sz="2000" dirty="0" err="1">
-                <a:solidFill>
-                  <a:srgbClr val="FFFFFF"/>
-                </a:solidFill>
-              </a:rPr>
-              <a:t>viser</a:t>
-            </a:r>
-            <a:r>
-              <a:rPr lang="en-US" sz="2000" dirty="0">
-                <a:solidFill>
-                  <a:srgbClr val="FFFFFF"/>
-                </a:solidFill>
-              </a:rPr>
-              <a:t>, </a:t>
-            </a:r>
-            <a:r>
-              <a:rPr lang="en-US" sz="2000" dirty="0" err="1">
-                <a:solidFill>
-                  <a:srgbClr val="FFFFFF"/>
-                </a:solidFill>
-              </a:rPr>
-              <a:t>hvordan</a:t>
-            </a:r>
-            <a:r>
-              <a:rPr lang="en-US" sz="2000" dirty="0">
-                <a:solidFill>
-                  <a:srgbClr val="FFFFFF"/>
-                </a:solidFill>
-              </a:rPr>
-              <a:t> </a:t>
-            </a:r>
-            <a:r>
-              <a:rPr lang="en-US" sz="2000" dirty="0" err="1">
-                <a:solidFill>
-                  <a:srgbClr val="FFFFFF"/>
-                </a:solidFill>
-              </a:rPr>
-              <a:t>koden</a:t>
-            </a:r>
-            <a:r>
-              <a:rPr lang="en-US" sz="2000" dirty="0">
-                <a:solidFill>
-                  <a:srgbClr val="FFFFFF"/>
-                </a:solidFill>
-              </a:rPr>
-              <a:t> </a:t>
-            </a:r>
-            <a:r>
-              <a:rPr lang="en-US" sz="2000" dirty="0" err="1">
-                <a:solidFill>
-                  <a:srgbClr val="FFFFFF"/>
-                </a:solidFill>
-              </a:rPr>
-              <a:t>kommer</a:t>
-            </a:r>
-            <a:r>
-              <a:rPr lang="en-US" sz="2000" dirty="0">
-                <a:solidFill>
-                  <a:srgbClr val="FFFFFF"/>
-                </a:solidFill>
-              </a:rPr>
-              <a:t> </a:t>
-            </a:r>
-            <a:r>
-              <a:rPr lang="en-US" sz="2000" dirty="0" err="1">
-                <a:solidFill>
-                  <a:srgbClr val="FFFFFF"/>
-                </a:solidFill>
-              </a:rPr>
-              <a:t>til</a:t>
-            </a:r>
-            <a:r>
-              <a:rPr lang="en-US" sz="2000" dirty="0">
-                <a:solidFill>
-                  <a:srgbClr val="FFFFFF"/>
-                </a:solidFill>
-              </a:rPr>
-              <a:t> at se </a:t>
-            </a:r>
-            <a:r>
-              <a:rPr lang="en-US" sz="2000" dirty="0" err="1">
-                <a:solidFill>
-                  <a:srgbClr val="FFFFFF"/>
-                </a:solidFill>
-              </a:rPr>
-              <a:t>ud</a:t>
-            </a:r>
-            <a:r>
-              <a:rPr lang="en-US" sz="2000" dirty="0">
-                <a:solidFill>
-                  <a:srgbClr val="FFFFFF"/>
-                </a:solidFill>
-              </a:rPr>
-              <a:t> (</a:t>
-            </a:r>
-            <a:r>
-              <a:rPr lang="en-US" sz="2000" dirty="0" err="1">
-                <a:solidFill>
-                  <a:srgbClr val="FFFFFF"/>
-                </a:solidFill>
-              </a:rPr>
-              <a:t>modificeret</a:t>
-            </a:r>
-            <a:r>
-              <a:rPr lang="en-US" sz="2000" dirty="0">
-                <a:solidFill>
-                  <a:srgbClr val="FFFFFF"/>
-                </a:solidFill>
-              </a:rPr>
-              <a:t> med CSS, </a:t>
-            </a:r>
-            <a:r>
-              <a:rPr lang="en-US" sz="2000" dirty="0" err="1">
-                <a:solidFill>
-                  <a:srgbClr val="FFFFFF"/>
-                </a:solidFill>
-              </a:rPr>
-              <a:t>som</a:t>
-            </a:r>
-            <a:r>
-              <a:rPr lang="en-US" sz="2000" dirty="0">
-                <a:solidFill>
-                  <a:srgbClr val="FFFFFF"/>
-                </a:solidFill>
-              </a:rPr>
-              <a:t> </a:t>
-            </a:r>
-            <a:r>
-              <a:rPr lang="en-US" sz="2000" dirty="0" err="1">
-                <a:solidFill>
-                  <a:srgbClr val="FFFFFF"/>
-                </a:solidFill>
-              </a:rPr>
-              <a:t>jeg</a:t>
-            </a:r>
-            <a:r>
-              <a:rPr lang="en-US" sz="2000" dirty="0">
-                <a:solidFill>
-                  <a:srgbClr val="FFFFFF"/>
-                </a:solidFill>
-              </a:rPr>
-              <a:t> </a:t>
-            </a:r>
-            <a:r>
-              <a:rPr lang="en-US" sz="2000" dirty="0" err="1">
-                <a:solidFill>
-                  <a:srgbClr val="FFFFFF"/>
-                </a:solidFill>
-              </a:rPr>
-              <a:t>vil</a:t>
-            </a:r>
-            <a:r>
-              <a:rPr lang="en-US" sz="2000" dirty="0">
-                <a:solidFill>
-                  <a:srgbClr val="FFFFFF"/>
-                </a:solidFill>
-              </a:rPr>
-              <a:t> </a:t>
-            </a:r>
-            <a:r>
-              <a:rPr lang="en-US" sz="2000" dirty="0" err="1">
-                <a:solidFill>
-                  <a:srgbClr val="FFFFFF"/>
-                </a:solidFill>
-              </a:rPr>
-              <a:t>komme</a:t>
-            </a:r>
-            <a:r>
-              <a:rPr lang="en-US" sz="2000" dirty="0">
-                <a:solidFill>
-                  <a:srgbClr val="FFFFFF"/>
-                </a:solidFill>
-              </a:rPr>
-              <a:t> </a:t>
-            </a:r>
-            <a:r>
-              <a:rPr lang="en-US" sz="2000" dirty="0" err="1">
-                <a:solidFill>
-                  <a:srgbClr val="FFFFFF"/>
-                </a:solidFill>
-              </a:rPr>
-              <a:t>ind</a:t>
-            </a:r>
-            <a:r>
-              <a:rPr lang="en-US" sz="2000" dirty="0">
-                <a:solidFill>
-                  <a:srgbClr val="FFFFFF"/>
-                </a:solidFill>
-              </a:rPr>
-              <a:t> </a:t>
-            </a:r>
-            <a:r>
-              <a:rPr lang="en-US" sz="2000" dirty="0" err="1">
-                <a:solidFill>
-                  <a:srgbClr val="FFFFFF"/>
-                </a:solidFill>
-              </a:rPr>
-              <a:t>på</a:t>
-            </a:r>
-            <a:r>
-              <a:rPr lang="en-US" sz="2000" dirty="0">
-                <a:solidFill>
-                  <a:srgbClr val="FFFFFF"/>
-                </a:solidFill>
-              </a:rPr>
-              <a:t> </a:t>
-            </a:r>
-            <a:r>
-              <a:rPr lang="en-US" sz="2000" dirty="0" err="1">
-                <a:solidFill>
-                  <a:srgbClr val="FFFFFF"/>
-                </a:solidFill>
-              </a:rPr>
-              <a:t>lidt</a:t>
-            </a:r>
-            <a:r>
-              <a:rPr lang="en-US" sz="2000" dirty="0">
-                <a:solidFill>
-                  <a:srgbClr val="FFFFFF"/>
-                </a:solidFill>
-              </a:rPr>
-              <a:t> </a:t>
-            </a:r>
-            <a:r>
-              <a:rPr lang="en-US" sz="2000" dirty="0" err="1">
-                <a:solidFill>
-                  <a:srgbClr val="FFFFFF"/>
-                </a:solidFill>
-              </a:rPr>
-              <a:t>senere</a:t>
-            </a:r>
-            <a:r>
-              <a:rPr lang="en-US" sz="2000" dirty="0">
-                <a:solidFill>
-                  <a:srgbClr val="FFFFFF"/>
-                </a:solidFill>
-              </a:rPr>
-              <a:t>).</a:t>
-            </a:r>
+            <a:endParaRPr lang="en-US" sz="2000" dirty="0">
+              <a:solidFill>
+                <a:srgbClr val="FFFFFF"/>
+              </a:solidFill>
+            </a:endParaRPr>
           </a:p>
         </p:txBody>
       </p:sp>
@@ -4326,8 +4186,8 @@
         </p:blipFill>
         <p:spPr>
           <a:xfrm>
-            <a:off x="7858897" y="1890310"/>
-            <a:ext cx="4166313" cy="1989413"/>
+            <a:off x="2670152" y="1958697"/>
+            <a:ext cx="6531653" cy="3118862"/>
           </a:xfrm>
           <a:custGeom>
             <a:avLst/>
@@ -4399,8 +4259,8 @@
         </p:blipFill>
         <p:spPr>
           <a:xfrm>
-            <a:off x="6908801" y="4985638"/>
-            <a:ext cx="5116410" cy="345357"/>
+            <a:off x="1896719" y="5402277"/>
+            <a:ext cx="8078519" cy="545299"/>
           </a:xfrm>
           <a:custGeom>
             <a:avLst/>
@@ -4490,98 +4350,6 @@
       </p:grpSpPr>
       <p:sp>
         <p:nvSpPr>
-          <p:cNvPr id="25" name="Rectangle 24">
-            <a:extLst>
-              <a:ext uri="{FF2B5EF4-FFF2-40B4-BE49-F238E27FC236}">
-                <a16:creationId xmlns:a16="http://schemas.microsoft.com/office/drawing/2014/main" id="{42A5316D-ED2F-4F89-B4B4-8D9240B1A348}"/>
-              </a:ext>
-              <a:ext uri="{C183D7F6-B498-43B3-948B-1728B52AA6E4}">
-                <adec:decorative xmlns:adec="http://schemas.microsoft.com/office/drawing/2017/decorative" val="1"/>
-              </a:ext>
-            </a:extLst>
-          </p:cNvPr>
-          <p:cNvSpPr>
-            <a:spLocks noGrp="1" noRot="1" noChangeAspect="1" noMove="1" noResize="1" noEditPoints="1" noAdjustHandles="1" noChangeArrowheads="1" noChangeShapeType="1" noTextEdit="1"/>
-          </p:cNvSpPr>
-          <p:nvPr>
-            <p:extLst>
-              <p:ext uri="{386F3935-93C4-4BCD-93E2-E3B085C9AB24}">
-                <p16:designElem xmlns:p16="http://schemas.microsoft.com/office/powerpoint/2015/main" val="1"/>
-              </p:ext>
-            </p:extLst>
-          </p:nvPr>
-        </p:nvSpPr>
-        <p:spPr>
-          <a:xfrm>
-            <a:off x="0" y="0"/>
-            <a:ext cx="2013557" cy="6858000"/>
-          </a:xfrm>
-          <a:prstGeom prst="rect">
-            <a:avLst/>
-          </a:prstGeom>
-          <a:solidFill>
-            <a:srgbClr val="7F7F7F"/>
-          </a:solidFill>
-          <a:ln>
-            <a:noFill/>
-          </a:ln>
-        </p:spPr>
-        <p:style>
-          <a:lnRef idx="2">
-            <a:schemeClr val="accent1">
-              <a:shade val="50000"/>
-            </a:schemeClr>
-          </a:lnRef>
-          <a:fillRef idx="1">
-            <a:schemeClr val="accent1"/>
-          </a:fillRef>
-          <a:effectRef idx="0">
-            <a:schemeClr val="accent1"/>
-          </a:effectRef>
-          <a:fontRef idx="minor">
-            <a:schemeClr val="lt1"/>
-          </a:fontRef>
-        </p:style>
-        <p:txBody>
-          <a:bodyPr rtlCol="0" anchor="ctr"/>
-          <a:lstStyle/>
-          <a:p>
-            <a:pPr marL="0" marR="0" lvl="0" indent="0" algn="ctr" defTabSz="914400" rtl="0" eaLnBrk="1" fontAlgn="auto" latinLnBrk="0" hangingPunct="1">
-              <a:lnSpc>
-                <a:spcPct val="100000"/>
-              </a:lnSpc>
-              <a:spcBef>
-                <a:spcPts val="0"/>
-              </a:spcBef>
-              <a:spcAft>
-                <a:spcPts val="0"/>
-              </a:spcAft>
-              <a:buClrTx/>
-              <a:buSzTx/>
-              <a:buFontTx/>
-              <a:buNone/>
-              <a:tabLst/>
-              <a:defRPr/>
-            </a:pPr>
-            <a:endParaRPr kumimoji="0" lang="en-US" sz="1800" b="0" i="0" u="none" strike="noStrike" kern="1200" cap="none" spc="0" normalizeH="0" baseline="0" noProof="0">
-              <a:ln>
-                <a:noFill/>
-              </a:ln>
-              <a:solidFill>
-                <a:prstClr val="white"/>
-              </a:solidFill>
-              <a:effectLst/>
-              <a:uLnTx/>
-              <a:uFillTx/>
-              <a:latin typeface="Calibri" panose="020F0502020204030204"/>
-              <a:ea typeface="+mn-ea"/>
-              <a:cs typeface="+mn-cs"/>
-            </a:endParaRPr>
-          </a:p>
-        </p:txBody>
-      </p:sp>
-      <p:sp>
-        <p:nvSpPr>
           <p:cNvPr id="2" name="Titel 1">
             <a:extLst>
               <a:ext uri="{FF2B5EF4-FFF2-40B4-BE49-F238E27FC236}">
@@ -4633,17 +4401,19 @@
       </p:sp>
       <p:pic>
         <p:nvPicPr>
-          <p:cNvPr id="20" name="Pladsholder til indhold 16">
-            <a:extLst>
-              <a:ext uri="{FF2B5EF4-FFF2-40B4-BE49-F238E27FC236}">
-                <a16:creationId xmlns:a16="http://schemas.microsoft.com/office/drawing/2014/main" id="{FF79EE58-8D0E-6148-A2C8-4AF871E83611}"/>
+          <p:cNvPr id="18" name="Pladsholder til indhold 17">
+            <a:extLst>
+              <a:ext uri="{FF2B5EF4-FFF2-40B4-BE49-F238E27FC236}">
+                <a16:creationId xmlns:a16="http://schemas.microsoft.com/office/drawing/2014/main" id="{AA54A0A9-E99E-E741-8851-6412573F9C21}"/>
               </a:ext>
             </a:extLst>
           </p:cNvPr>
           <p:cNvPicPr>
-            <a:picLocks noChangeAspect="1"/>
+            <a:picLocks noGrp="1" noChangeAspect="1"/>
           </p:cNvPicPr>
-          <p:nvPr/>
+          <p:nvPr>
+            <p:ph idx="1"/>
+          </p:nvPr>
         </p:nvPicPr>
         <p:blipFill>
           <a:blip r:embed="rId2"/>
@@ -4653,29 +4423,24 @@
         </p:blipFill>
         <p:spPr>
           <a:xfrm>
-            <a:off x="4775200" y="594591"/>
-            <a:ext cx="7188199" cy="2264281"/>
+            <a:off x="5814736" y="4383644"/>
+            <a:ext cx="1854200" cy="203200"/>
           </a:xfrm>
-          <a:prstGeom prst="rect">
-            <a:avLst/>
-          </a:prstGeom>
         </p:spPr>
       </p:pic>
       <p:pic>
         <p:nvPicPr>
-          <p:cNvPr id="18" name="Pladsholder til indhold 17">
-            <a:extLst>
-              <a:ext uri="{FF2B5EF4-FFF2-40B4-BE49-F238E27FC236}">
-                <a16:creationId xmlns:a16="http://schemas.microsoft.com/office/drawing/2014/main" id="{AA54A0A9-E99E-E741-8851-6412573F9C21}"/>
+          <p:cNvPr id="20" name="Pladsholder til indhold 16">
+            <a:extLst>
+              <a:ext uri="{FF2B5EF4-FFF2-40B4-BE49-F238E27FC236}">
+                <a16:creationId xmlns:a16="http://schemas.microsoft.com/office/drawing/2014/main" id="{FF79EE58-8D0E-6148-A2C8-4AF871E83611}"/>
               </a:ext>
             </a:extLst>
           </p:cNvPr>
           <p:cNvPicPr>
-            <a:picLocks noGrp="1" noChangeAspect="1"/>
+            <a:picLocks noChangeAspect="1"/>
           </p:cNvPicPr>
-          <p:nvPr>
-            <p:ph idx="1"/>
-          </p:nvPr>
+          <p:nvPr/>
         </p:nvPicPr>
         <p:blipFill>
           <a:blip r:embed="rId3"/>
@@ -4685,50 +4450,14 @@
         </p:blipFill>
         <p:spPr>
           <a:xfrm>
-            <a:off x="5059363" y="3023972"/>
-            <a:ext cx="1854200" cy="203200"/>
-          </a:xfrm>
-        </p:spPr>
-      </p:pic>
-      <p:sp>
-        <p:nvSpPr>
-          <p:cNvPr id="21" name="Tekstfelt 20">
-            <a:extLst>
-              <a:ext uri="{FF2B5EF4-FFF2-40B4-BE49-F238E27FC236}">
-                <a16:creationId xmlns:a16="http://schemas.microsoft.com/office/drawing/2014/main" id="{DC389475-ABFE-0B40-A389-91829DFF0EE9}"/>
-              </a:ext>
-            </a:extLst>
-          </p:cNvPr>
-          <p:cNvSpPr txBox="1"/>
-          <p:nvPr/>
-        </p:nvSpPr>
-        <p:spPr>
-          <a:xfrm>
-            <a:off x="4508500" y="4178300"/>
-            <a:ext cx="3500317" cy="369332"/>
+            <a:off x="1759950" y="594591"/>
+            <a:ext cx="10203449" cy="3214084"/>
           </a:xfrm>
           <a:prstGeom prst="rect">
             <a:avLst/>
           </a:prstGeom>
-          <a:noFill/>
         </p:spPr>
-        <p:txBody>
-          <a:bodyPr wrap="none" rtlCol="0">
-            <a:spAutoFit/>
-          </a:bodyPr>
-          <a:lstStyle/>
-          <a:p>
-            <a:r>
-              <a:rPr lang="da-DK" dirty="0" err="1"/>
-              <a:t>Href</a:t>
-            </a:r>
-            <a:r>
-              <a:rPr lang="da-DK" dirty="0"/>
-              <a:t> sender os hen til valg a kursus.</a:t>
-            </a:r>
-          </a:p>
-        </p:txBody>
-      </p:sp>
+      </p:pic>
     </p:spTree>
     <p:extLst>
       <p:ext uri="{BB962C8B-B14F-4D97-AF65-F5344CB8AC3E}">
@@ -4818,7 +4547,7 @@
             </a:r>
             <a:r>
               <a:rPr lang="da-DK" dirty="0" err="1"/>
-              <a:t>Sheet</a:t>
+              <a:t>Sheets</a:t>
             </a:r>
             <a:endParaRPr lang="da-DK" dirty="0"/>
           </a:p>
@@ -4851,7 +4580,7 @@
           <a:p>
             <a:r>
               <a:rPr lang="da-DK" dirty="0" err="1"/>
-              <a:t>Extern</a:t>
+              <a:t>External</a:t>
             </a:r>
             <a:endParaRPr lang="da-DK" dirty="0"/>
           </a:p>
@@ -4942,7 +4671,7 @@
           <a:p>
             <a:r>
               <a:rPr lang="da-DK" dirty="0"/>
-              <a:t>Tager udgangspunkt i et enkelt element i HTML dokumentet</a:t>
+              <a:t>Enkelt HTML element</a:t>
             </a:r>
           </a:p>
           <a:p>
@@ -4951,7 +4680,7 @@
           <a:p>
             <a:r>
               <a:rPr lang="da-DK" dirty="0"/>
-              <a:t>Ikke mulighed for genanvendelse </a:t>
+              <a:t>Ingen genanvendelse </a:t>
             </a:r>
           </a:p>
           <a:p>
@@ -4984,7 +4713,7 @@
           <p:nvPr/>
         </p:nvPicPr>
         <p:blipFill>
-          <a:blip r:embed="rId2"/>
+          <a:blip r:embed="rId3"/>
           <a:stretch>
             <a:fillRect/>
           </a:stretch>
@@ -5081,19 +4810,20 @@
           <a:p>
             <a:r>
               <a:rPr lang="da-DK" dirty="0"/>
-              <a:t>Læser fra et bestemt tag og ned &lt;</a:t>
-            </a:r>
-            <a:r>
-              <a:rPr lang="da-DK" dirty="0" err="1"/>
-              <a:t>style</a:t>
-            </a:r>
+              <a:t>&lt;style&gt;</a:t>
+            </a:r>
+          </a:p>
+          <a:p>
             <a:r>
               <a:rPr lang="da-DK" dirty="0"/>
-              <a:t>&gt;.</a:t>
-            </a:r>
-          </a:p>
-          <a:p>
-            <a:endParaRPr lang="da-DK" dirty="0"/>
+              <a:t>CSS</a:t>
+            </a:r>
+          </a:p>
+          <a:p>
+            <a:r>
+              <a:rPr lang="da-DK" dirty="0"/>
+              <a:t>&lt;/style&gt;</a:t>
+            </a:r>
           </a:p>
           <a:p>
             <a:r>
@@ -5122,14 +4852,14 @@
           <p:nvPr/>
         </p:nvPicPr>
         <p:blipFill>
-          <a:blip r:embed="rId2"/>
+          <a:blip r:embed="rId3"/>
           <a:stretch>
             <a:fillRect/>
           </a:stretch>
         </p:blipFill>
         <p:spPr>
           <a:xfrm>
-            <a:off x="1809750" y="2946400"/>
+            <a:off x="2422001" y="3429000"/>
             <a:ext cx="2286000" cy="2844800"/>
           </a:xfrm>
           <a:prstGeom prst="rect">
@@ -5190,7 +4920,7 @@
           <a:p>
             <a:r>
               <a:rPr lang="da-DK" dirty="0" err="1"/>
-              <a:t>Extern</a:t>
+              <a:t>External</a:t>
             </a:r>
             <a:endParaRPr lang="da-DK" dirty="0"/>
           </a:p>
@@ -5212,14 +4942,19 @@
             <p:ph idx="1"/>
           </p:nvPr>
         </p:nvSpPr>
-        <p:spPr/>
+        <p:spPr>
+          <a:xfrm>
+            <a:off x="909762" y="1905138"/>
+            <a:ext cx="10515600" cy="4351338"/>
+          </a:xfrm>
+        </p:spPr>
         <p:txBody>
           <a:bodyPr/>
           <a:lstStyle/>
           <a:p>
             <a:r>
               <a:rPr lang="da-DK" dirty="0"/>
-              <a:t>Ligger i ordet – læser fra ekstern fil </a:t>
+              <a:t>Ekstern fil</a:t>
             </a:r>
           </a:p>
           <a:p>
@@ -5241,50 +4976,282 @@
           <a:p>
             <a:r>
               <a:rPr lang="da-DK" dirty="0"/>
-              <a:t>Kan herefter selv modificere i det efter eget ønske </a:t>
-            </a:r>
-          </a:p>
-          <a:p>
-            <a:endParaRPr lang="da-DK" dirty="0"/>
-          </a:p>
-          <a:p>
-            <a:r>
-              <a:rPr lang="da-DK" dirty="0"/>
               <a:t>Brug af flere CSS metoder – nederste er gældende</a:t>
             </a:r>
           </a:p>
         </p:txBody>
       </p:sp>
-      <p:pic>
-        <p:nvPicPr>
-          <p:cNvPr id="5" name="Billede 4">
-            <a:extLst>
-              <a:ext uri="{FF2B5EF4-FFF2-40B4-BE49-F238E27FC236}">
-                <a16:creationId xmlns:a16="http://schemas.microsoft.com/office/drawing/2014/main" id="{5D06421D-1D32-4C42-B16F-85F321F7E9C4}"/>
-              </a:ext>
-            </a:extLst>
-          </p:cNvPr>
-          <p:cNvPicPr>
-            <a:picLocks noChangeAspect="1"/>
-          </p:cNvPicPr>
+      <p:sp>
+        <p:nvSpPr>
+          <p:cNvPr id="4" name="Rectangle 1">
+            <a:extLst>
+              <a:ext uri="{FF2B5EF4-FFF2-40B4-BE49-F238E27FC236}">
+                <a16:creationId xmlns:a16="http://schemas.microsoft.com/office/drawing/2014/main" id="{0DF52B20-E059-455B-BD6E-75349F6BCC26}"/>
+              </a:ext>
+            </a:extLst>
+          </p:cNvPr>
+          <p:cNvSpPr>
+            <a:spLocks noChangeArrowheads="1"/>
+          </p:cNvSpPr>
           <p:nvPr/>
-        </p:nvPicPr>
-        <p:blipFill>
-          <a:blip r:embed="rId2"/>
-          <a:stretch>
-            <a:fillRect/>
-          </a:stretch>
-        </p:blipFill>
-        <p:spPr>
+        </p:nvSpPr>
+        <p:spPr bwMode="auto">
           <a:xfrm>
-            <a:off x="1704975" y="2998787"/>
-            <a:ext cx="9220200" cy="215900"/>
+            <a:off x="1844702" y="2923334"/>
+            <a:ext cx="9437536" cy="430887"/>
           </a:xfrm>
           <a:prstGeom prst="rect">
             <a:avLst/>
           </a:prstGeom>
+          <a:solidFill>
+            <a:srgbClr val="FFFFFF"/>
+          </a:solidFill>
+          <a:ln>
+            <a:noFill/>
+          </a:ln>
+          <a:effectLst/>
+          <a:extLst>
+            <a:ext uri="{91240B29-F687-4F45-9708-019B960494DF}">
+              <a14:hiddenLine xmlns:a14="http://schemas.microsoft.com/office/drawing/2010/main" w="9525">
+                <a:solidFill>
+                  <a:schemeClr val="tx1"/>
+                </a:solidFill>
+                <a:miter lim="800000"/>
+                <a:headEnd/>
+                <a:tailEnd/>
+              </a14:hiddenLine>
+            </a:ext>
+            <a:ext uri="{AF507438-7753-43E0-B8FC-AC1667EBCBE1}">
+              <a14:hiddenEffects xmlns:a14="http://schemas.microsoft.com/office/drawing/2010/main">
+                <a:effectLst>
+                  <a:outerShdw dist="35921" dir="2700000" algn="ctr" rotWithShape="0">
+                    <a:schemeClr val="bg2"/>
+                  </a:outerShdw>
+                </a:effectLst>
+              </a14:hiddenEffects>
+            </a:ext>
+          </a:extLst>
         </p:spPr>
-      </p:pic>
+        <p:txBody>
+          <a:bodyPr vert="horz" wrap="square" lIns="91440" tIns="45720" rIns="91440" bIns="45720" numCol="1" anchor="ctr" anchorCtr="0" compatLnSpc="1">
+            <a:prstTxWarp prst="textNoShape">
+              <a:avLst/>
+            </a:prstTxWarp>
+            <a:spAutoFit/>
+          </a:bodyPr>
+          <a:lstStyle/>
+          <a:p>
+            <a:pPr marL="0" marR="0" lvl="0" indent="0" algn="l" defTabSz="914400" rtl="0" eaLnBrk="0" fontAlgn="base" latinLnBrk="0" hangingPunct="0">
+              <a:lnSpc>
+                <a:spcPct val="100000"/>
+              </a:lnSpc>
+              <a:spcBef>
+                <a:spcPct val="0"/>
+              </a:spcBef>
+              <a:spcAft>
+                <a:spcPct val="0"/>
+              </a:spcAft>
+              <a:buClrTx/>
+              <a:buSzTx/>
+              <a:buFontTx/>
+              <a:buNone/>
+              <a:tabLst/>
+            </a:pPr>
+            <a:r>
+              <a:rPr kumimoji="0" lang="en-US" altLang="en-US" sz="2200" b="0" i="0" u="none" strike="noStrike" cap="none" normalizeH="0" baseline="0" dirty="0">
+                <a:ln>
+                  <a:noFill/>
+                </a:ln>
+                <a:solidFill>
+                  <a:srgbClr val="000000"/>
+                </a:solidFill>
+                <a:effectLst/>
+                <a:latin typeface="Courier New" panose="02070309020205020404" pitchFamily="49" charset="0"/>
+                <a:cs typeface="Courier New" panose="02070309020205020404" pitchFamily="49" charset="0"/>
+              </a:rPr>
+              <a:t>&lt;</a:t>
+            </a:r>
+            <a:r>
+              <a:rPr kumimoji="0" lang="en-US" altLang="en-US" sz="2200" b="1" i="0" u="none" strike="noStrike" cap="none" normalizeH="0" baseline="0" dirty="0">
+                <a:ln>
+                  <a:noFill/>
+                </a:ln>
+                <a:solidFill>
+                  <a:srgbClr val="000080"/>
+                </a:solidFill>
+                <a:effectLst/>
+                <a:latin typeface="Courier New" panose="02070309020205020404" pitchFamily="49" charset="0"/>
+                <a:cs typeface="Courier New" panose="02070309020205020404" pitchFamily="49" charset="0"/>
+              </a:rPr>
+              <a:t>link </a:t>
+            </a:r>
+            <a:r>
+              <a:rPr kumimoji="0" lang="en-US" altLang="en-US" sz="2200" b="1" i="0" u="none" strike="noStrike" cap="none" normalizeH="0" baseline="0" dirty="0" err="1">
+                <a:ln>
+                  <a:noFill/>
+                </a:ln>
+                <a:solidFill>
+                  <a:srgbClr val="0000FF"/>
+                </a:solidFill>
+                <a:effectLst/>
+                <a:latin typeface="Courier New" panose="02070309020205020404" pitchFamily="49" charset="0"/>
+                <a:cs typeface="Courier New" panose="02070309020205020404" pitchFamily="49" charset="0"/>
+              </a:rPr>
+              <a:t>rel</a:t>
+            </a:r>
+            <a:r>
+              <a:rPr kumimoji="0" lang="en-US" altLang="en-US" sz="2200" b="1" i="0" u="none" strike="noStrike" cap="none" normalizeH="0" baseline="0" dirty="0">
+                <a:ln>
+                  <a:noFill/>
+                </a:ln>
+                <a:solidFill>
+                  <a:srgbClr val="0000FF"/>
+                </a:solidFill>
+                <a:effectLst/>
+                <a:latin typeface="Courier New" panose="02070309020205020404" pitchFamily="49" charset="0"/>
+                <a:cs typeface="Courier New" panose="02070309020205020404" pitchFamily="49" charset="0"/>
+              </a:rPr>
+              <a:t>=</a:t>
+            </a:r>
+            <a:r>
+              <a:rPr kumimoji="0" lang="en-US" altLang="en-US" sz="2200" b="1" i="0" u="none" strike="noStrike" cap="none" normalizeH="0" baseline="0" dirty="0">
+                <a:ln>
+                  <a:noFill/>
+                </a:ln>
+                <a:solidFill>
+                  <a:srgbClr val="008000"/>
+                </a:solidFill>
+                <a:effectLst/>
+                <a:latin typeface="Courier New" panose="02070309020205020404" pitchFamily="49" charset="0"/>
+                <a:cs typeface="Courier New" panose="02070309020205020404" pitchFamily="49" charset="0"/>
+              </a:rPr>
+              <a:t>"stylesheet" </a:t>
+            </a:r>
+            <a:r>
+              <a:rPr kumimoji="0" lang="en-US" altLang="en-US" sz="2200" b="1" i="0" u="none" strike="noStrike" cap="none" normalizeH="0" baseline="0" dirty="0">
+                <a:ln>
+                  <a:noFill/>
+                </a:ln>
+                <a:solidFill>
+                  <a:srgbClr val="0000FF"/>
+                </a:solidFill>
+                <a:effectLst/>
+                <a:latin typeface="Courier New" panose="02070309020205020404" pitchFamily="49" charset="0"/>
+                <a:cs typeface="Courier New" panose="02070309020205020404" pitchFamily="49" charset="0"/>
+              </a:rPr>
+              <a:t>type=</a:t>
+            </a:r>
+            <a:r>
+              <a:rPr kumimoji="0" lang="en-US" altLang="en-US" sz="2200" b="1" i="0" u="none" strike="noStrike" cap="none" normalizeH="0" baseline="0" dirty="0">
+                <a:ln>
+                  <a:noFill/>
+                </a:ln>
+                <a:solidFill>
+                  <a:srgbClr val="008000"/>
+                </a:solidFill>
+                <a:effectLst/>
+                <a:latin typeface="Courier New" panose="02070309020205020404" pitchFamily="49" charset="0"/>
+                <a:cs typeface="Courier New" panose="02070309020205020404" pitchFamily="49" charset="0"/>
+              </a:rPr>
+              <a:t>"text/</a:t>
+            </a:r>
+            <a:r>
+              <a:rPr kumimoji="0" lang="en-US" altLang="en-US" sz="2200" b="1" i="0" u="none" strike="noStrike" cap="none" normalizeH="0" baseline="0" dirty="0" err="1">
+                <a:ln>
+                  <a:noFill/>
+                </a:ln>
+                <a:solidFill>
+                  <a:srgbClr val="008000"/>
+                </a:solidFill>
+                <a:effectLst/>
+                <a:latin typeface="Courier New" panose="02070309020205020404" pitchFamily="49" charset="0"/>
+                <a:cs typeface="Courier New" panose="02070309020205020404" pitchFamily="49" charset="0"/>
+              </a:rPr>
+              <a:t>css</a:t>
+            </a:r>
+            <a:r>
+              <a:rPr kumimoji="0" lang="en-US" altLang="en-US" sz="2200" b="1" i="0" u="none" strike="noStrike" cap="none" normalizeH="0" baseline="0" dirty="0">
+                <a:ln>
+                  <a:noFill/>
+                </a:ln>
+                <a:solidFill>
+                  <a:srgbClr val="008000"/>
+                </a:solidFill>
+                <a:effectLst/>
+                <a:latin typeface="Courier New" panose="02070309020205020404" pitchFamily="49" charset="0"/>
+                <a:cs typeface="Courier New" panose="02070309020205020404" pitchFamily="49" charset="0"/>
+              </a:rPr>
+              <a:t>" </a:t>
+            </a:r>
+            <a:r>
+              <a:rPr kumimoji="0" lang="en-US" altLang="en-US" sz="2200" b="1" i="0" u="none" strike="noStrike" cap="none" normalizeH="0" baseline="0" dirty="0" err="1">
+                <a:ln>
+                  <a:noFill/>
+                </a:ln>
+                <a:solidFill>
+                  <a:srgbClr val="0000FF"/>
+                </a:solidFill>
+                <a:effectLst/>
+                <a:latin typeface="Courier New" panose="02070309020205020404" pitchFamily="49" charset="0"/>
+                <a:cs typeface="Courier New" panose="02070309020205020404" pitchFamily="49" charset="0"/>
+              </a:rPr>
+              <a:t>href</a:t>
+            </a:r>
+            <a:r>
+              <a:rPr kumimoji="0" lang="en-US" altLang="en-US" sz="2200" b="1" i="0" u="none" strike="noStrike" cap="none" normalizeH="0" baseline="0" dirty="0">
+                <a:ln>
+                  <a:noFill/>
+                </a:ln>
+                <a:solidFill>
+                  <a:srgbClr val="0000FF"/>
+                </a:solidFill>
+                <a:effectLst/>
+                <a:latin typeface="Courier New" panose="02070309020205020404" pitchFamily="49" charset="0"/>
+                <a:cs typeface="Courier New" panose="02070309020205020404" pitchFamily="49" charset="0"/>
+              </a:rPr>
+              <a:t>=</a:t>
+            </a:r>
+            <a:r>
+              <a:rPr kumimoji="0" lang="en-US" altLang="en-US" sz="2200" b="1" i="0" u="none" strike="noStrike" cap="none" normalizeH="0" baseline="0" dirty="0">
+                <a:ln>
+                  <a:noFill/>
+                </a:ln>
+                <a:solidFill>
+                  <a:srgbClr val="008000"/>
+                </a:solidFill>
+                <a:effectLst/>
+                <a:latin typeface="Courier New" panose="02070309020205020404" pitchFamily="49" charset="0"/>
+                <a:cs typeface="Courier New" panose="02070309020205020404" pitchFamily="49" charset="0"/>
+              </a:rPr>
+              <a:t>"css.css"</a:t>
+            </a:r>
+            <a:r>
+              <a:rPr kumimoji="0" lang="en-US" altLang="en-US" sz="2200" b="0" i="0" u="none" strike="noStrike" cap="none" normalizeH="0" baseline="0" dirty="0">
+                <a:ln>
+                  <a:noFill/>
+                </a:ln>
+                <a:solidFill>
+                  <a:srgbClr val="000000"/>
+                </a:solidFill>
+                <a:effectLst/>
+                <a:latin typeface="Courier New" panose="02070309020205020404" pitchFamily="49" charset="0"/>
+                <a:cs typeface="Courier New" panose="02070309020205020404" pitchFamily="49" charset="0"/>
+              </a:rPr>
+              <a:t>&gt;</a:t>
+            </a:r>
+            <a:endParaRPr kumimoji="0" lang="en-US" altLang="en-US" sz="2200" b="0" i="0" u="none" strike="noStrike" cap="none" normalizeH="0" baseline="0" dirty="0">
+              <a:ln>
+                <a:noFill/>
+              </a:ln>
+              <a:solidFill>
+                <a:schemeClr val="tx1"/>
+              </a:solidFill>
+              <a:effectLst/>
+              <a:latin typeface="Arial" panose="020B0604020202020204" pitchFamily="34" charset="0"/>
+            </a:endParaRPr>
+          </a:p>
+        </p:txBody>
+      </p:sp>
     </p:spTree>
     <p:extLst>
       <p:ext uri="{BB962C8B-B14F-4D97-AF65-F5344CB8AC3E}">
@@ -5301,7 +5268,7 @@
 <file path=ppt/theme/theme1.xml><?xml version="1.0" encoding="utf-8"?>
 <a:theme xmlns:a="http://schemas.openxmlformats.org/drawingml/2006/main" name="Office-tema">
   <a:themeElements>
-    <a:clrScheme name="Kontor">
+    <a:clrScheme name="Office">
       <a:dk1>
         <a:sysClr val="windowText" lastClr="000000"/>
       </a:dk1>
@@ -5339,7 +5306,7 @@
         <a:srgbClr val="954F72"/>
       </a:folHlink>
     </a:clrScheme>
-    <a:fontScheme name="Kontor">
+    <a:fontScheme name="Office">
       <a:majorFont>
         <a:latin typeface="Calibri Light" panose="020F0302020204030204"/>
         <a:ea typeface=""/>
@@ -5445,7 +5412,302 @@
         <a:font script="Tfng" typeface="Ebrima"/>
       </a:minorFont>
     </a:fontScheme>
-    <a:fmtScheme name="Kontor">
+    <a:fmtScheme name="Office">
+      <a:fillStyleLst>
+        <a:solidFill>
+          <a:schemeClr val="phClr"/>
+        </a:solidFill>
+        <a:gradFill rotWithShape="1">
+          <a:gsLst>
+            <a:gs pos="0">
+              <a:schemeClr val="phClr">
+                <a:lumMod val="110000"/>
+                <a:satMod val="105000"/>
+                <a:tint val="67000"/>
+              </a:schemeClr>
+            </a:gs>
+            <a:gs pos="50000">
+              <a:schemeClr val="phClr">
+                <a:lumMod val="105000"/>
+                <a:satMod val="103000"/>
+                <a:tint val="73000"/>
+              </a:schemeClr>
+            </a:gs>
+            <a:gs pos="100000">
+              <a:schemeClr val="phClr">
+                <a:lumMod val="105000"/>
+                <a:satMod val="109000"/>
+                <a:tint val="81000"/>
+              </a:schemeClr>
+            </a:gs>
+          </a:gsLst>
+          <a:lin ang="5400000" scaled="0"/>
+        </a:gradFill>
+        <a:gradFill rotWithShape="1">
+          <a:gsLst>
+            <a:gs pos="0">
+              <a:schemeClr val="phClr">
+                <a:satMod val="103000"/>
+                <a:lumMod val="102000"/>
+                <a:tint val="94000"/>
+              </a:schemeClr>
+            </a:gs>
+            <a:gs pos="50000">
+              <a:schemeClr val="phClr">
+                <a:satMod val="110000"/>
+                <a:lumMod val="100000"/>
+                <a:shade val="100000"/>
+              </a:schemeClr>
+            </a:gs>
+            <a:gs pos="100000">
+              <a:schemeClr val="phClr">
+                <a:lumMod val="99000"/>
+                <a:satMod val="120000"/>
+                <a:shade val="78000"/>
+              </a:schemeClr>
+            </a:gs>
+          </a:gsLst>
+          <a:lin ang="5400000" scaled="0"/>
+        </a:gradFill>
+      </a:fillStyleLst>
+      <a:lnStyleLst>
+        <a:ln w="6350" cap="flat" cmpd="sng" algn="ctr">
+          <a:solidFill>
+            <a:schemeClr val="phClr"/>
+          </a:solidFill>
+          <a:prstDash val="solid"/>
+          <a:miter lim="800000"/>
+        </a:ln>
+        <a:ln w="12700" cap="flat" cmpd="sng" algn="ctr">
+          <a:solidFill>
+            <a:schemeClr val="phClr"/>
+          </a:solidFill>
+          <a:prstDash val="solid"/>
+          <a:miter lim="800000"/>
+        </a:ln>
+        <a:ln w="19050" cap="flat" cmpd="sng" algn="ctr">
+          <a:solidFill>
+            <a:schemeClr val="phClr"/>
+          </a:solidFill>
+          <a:prstDash val="solid"/>
+          <a:miter lim="800000"/>
+        </a:ln>
+      </a:lnStyleLst>
+      <a:effectStyleLst>
+        <a:effectStyle>
+          <a:effectLst/>
+        </a:effectStyle>
+        <a:effectStyle>
+          <a:effectLst/>
+        </a:effectStyle>
+        <a:effectStyle>
+          <a:effectLst>
+            <a:outerShdw blurRad="57150" dist="19050" dir="5400000" algn="ctr" rotWithShape="0">
+              <a:srgbClr val="000000">
+                <a:alpha val="63000"/>
+              </a:srgbClr>
+            </a:outerShdw>
+          </a:effectLst>
+        </a:effectStyle>
+      </a:effectStyleLst>
+      <a:bgFillStyleLst>
+        <a:solidFill>
+          <a:schemeClr val="phClr"/>
+        </a:solidFill>
+        <a:solidFill>
+          <a:schemeClr val="phClr">
+            <a:tint val="95000"/>
+            <a:satMod val="170000"/>
+          </a:schemeClr>
+        </a:solidFill>
+        <a:gradFill rotWithShape="1">
+          <a:gsLst>
+            <a:gs pos="0">
+              <a:schemeClr val="phClr">
+                <a:tint val="93000"/>
+                <a:satMod val="150000"/>
+                <a:shade val="98000"/>
+                <a:lumMod val="102000"/>
+              </a:schemeClr>
+            </a:gs>
+            <a:gs pos="50000">
+              <a:schemeClr val="phClr">
+                <a:tint val="98000"/>
+                <a:satMod val="130000"/>
+                <a:shade val="90000"/>
+                <a:lumMod val="103000"/>
+              </a:schemeClr>
+            </a:gs>
+            <a:gs pos="100000">
+              <a:schemeClr val="phClr">
+                <a:shade val="63000"/>
+                <a:satMod val="120000"/>
+              </a:schemeClr>
+            </a:gs>
+          </a:gsLst>
+          <a:lin ang="5400000" scaled="0"/>
+        </a:gradFill>
+      </a:bgFillStyleLst>
+    </a:fmtScheme>
+  </a:themeElements>
+  <a:objectDefaults/>
+  <a:extraClrSchemeLst/>
+  <a:extLst>
+    <a:ext uri="{05A4C25C-085E-4340-85A3-A5531E510DB2}">
+      <thm15:themeFamily xmlns:thm15="http://schemas.microsoft.com/office/thememl/2012/main" name="Office Theme" id="{62F939B6-93AF-4DB8-9C6B-D6C7DFDC589F}" vid="{4A3C46E8-61CC-4603-A589-7422A47A8E4A}"/>
+    </a:ext>
+  </a:extLst>
+</a:theme>
+</file>
+
+<file path=ppt/theme/theme2.xml><?xml version="1.0" encoding="utf-8"?>
+<a:theme xmlns:a="http://schemas.openxmlformats.org/drawingml/2006/main" name="Office-tema">
+  <a:themeElements>
+    <a:clrScheme name="Office">
+      <a:dk1>
+        <a:sysClr val="windowText" lastClr="000000"/>
+      </a:dk1>
+      <a:lt1>
+        <a:sysClr val="window" lastClr="FFFFFF"/>
+      </a:lt1>
+      <a:dk2>
+        <a:srgbClr val="44546A"/>
+      </a:dk2>
+      <a:lt2>
+        <a:srgbClr val="E7E6E6"/>
+      </a:lt2>
+      <a:accent1>
+        <a:srgbClr val="4472C4"/>
+      </a:accent1>
+      <a:accent2>
+        <a:srgbClr val="ED7D31"/>
+      </a:accent2>
+      <a:accent3>
+        <a:srgbClr val="A5A5A5"/>
+      </a:accent3>
+      <a:accent4>
+        <a:srgbClr val="FFC000"/>
+      </a:accent4>
+      <a:accent5>
+        <a:srgbClr val="5B9BD5"/>
+      </a:accent5>
+      <a:accent6>
+        <a:srgbClr val="70AD47"/>
+      </a:accent6>
+      <a:hlink>
+        <a:srgbClr val="0563C1"/>
+      </a:hlink>
+      <a:folHlink>
+        <a:srgbClr val="954F72"/>
+      </a:folHlink>
+    </a:clrScheme>
+    <a:fontScheme name="Office">
+      <a:majorFont>
+        <a:latin typeface="Calibri Light" panose="020F0302020204030204"/>
+        <a:ea typeface=""/>
+        <a:cs typeface=""/>
+        <a:font script="Jpan" typeface="游ゴシック Light"/>
+        <a:font script="Hang" typeface="맑은 고딕"/>
+        <a:font script="Hans" typeface="等线 Light"/>
+        <a:font script="Hant" typeface="新細明體"/>
+        <a:font script="Arab" typeface="Times New Roman"/>
+        <a:font script="Hebr" typeface="Times New Roman"/>
+        <a:font script="Thai" typeface="Angsana New"/>
+        <a:font script="Ethi" typeface="Nyala"/>
+        <a:font script="Beng" typeface="Vrinda"/>
+        <a:font script="Gujr" typeface="Shruti"/>
+        <a:font script="Khmr" typeface="MoolBoran"/>
+        <a:font script="Knda" typeface="Tunga"/>
+        <a:font script="Guru" typeface="Raavi"/>
+        <a:font script="Cans" typeface="Euphemia"/>
+        <a:font script="Cher" typeface="Plantagenet Cherokee"/>
+        <a:font script="Yiii" typeface="Microsoft Yi Baiti"/>
+        <a:font script="Tibt" typeface="Microsoft Himalaya"/>
+        <a:font script="Thaa" typeface="MV Boli"/>
+        <a:font script="Deva" typeface="Mangal"/>
+        <a:font script="Telu" typeface="Gautami"/>
+        <a:font script="Taml" typeface="Latha"/>
+        <a:font script="Syrc" typeface="Estrangelo Edessa"/>
+        <a:font script="Orya" typeface="Kalinga"/>
+        <a:font script="Mlym" typeface="Kartika"/>
+        <a:font script="Laoo" typeface="DokChampa"/>
+        <a:font script="Sinh" typeface="Iskoola Pota"/>
+        <a:font script="Mong" typeface="Mongolian Baiti"/>
+        <a:font script="Viet" typeface="Times New Roman"/>
+        <a:font script="Uigh" typeface="Microsoft Uighur"/>
+        <a:font script="Geor" typeface="Sylfaen"/>
+        <a:font script="Armn" typeface="Arial"/>
+        <a:font script="Bugi" typeface="Leelawadee UI"/>
+        <a:font script="Bopo" typeface="Microsoft JhengHei"/>
+        <a:font script="Java" typeface="Javanese Text"/>
+        <a:font script="Lisu" typeface="Segoe UI"/>
+        <a:font script="Mymr" typeface="Myanmar Text"/>
+        <a:font script="Nkoo" typeface="Ebrima"/>
+        <a:font script="Olck" typeface="Nirmala UI"/>
+        <a:font script="Osma" typeface="Ebrima"/>
+        <a:font script="Phag" typeface="Phagspa"/>
+        <a:font script="Syrn" typeface="Estrangelo Edessa"/>
+        <a:font script="Syrj" typeface="Estrangelo Edessa"/>
+        <a:font script="Syre" typeface="Estrangelo Edessa"/>
+        <a:font script="Sora" typeface="Nirmala UI"/>
+        <a:font script="Tale" typeface="Microsoft Tai Le"/>
+        <a:font script="Talu" typeface="Microsoft New Tai Lue"/>
+        <a:font script="Tfng" typeface="Ebrima"/>
+      </a:majorFont>
+      <a:minorFont>
+        <a:latin typeface="Calibri" panose="020F0502020204030204"/>
+        <a:ea typeface=""/>
+        <a:cs typeface=""/>
+        <a:font script="Jpan" typeface="游ゴシック"/>
+        <a:font script="Hang" typeface="맑은 고딕"/>
+        <a:font script="Hans" typeface="等线"/>
+        <a:font script="Hant" typeface="新細明體"/>
+        <a:font script="Arab" typeface="Arial"/>
+        <a:font script="Hebr" typeface="Arial"/>
+        <a:font script="Thai" typeface="Cordia New"/>
+        <a:font script="Ethi" typeface="Nyala"/>
+        <a:font script="Beng" typeface="Vrinda"/>
+        <a:font script="Gujr" typeface="Shruti"/>
+        <a:font script="Khmr" typeface="DaunPenh"/>
+        <a:font script="Knda" typeface="Tunga"/>
+        <a:font script="Guru" typeface="Raavi"/>
+        <a:font script="Cans" typeface="Euphemia"/>
+        <a:font script="Cher" typeface="Plantagenet Cherokee"/>
+        <a:font script="Yiii" typeface="Microsoft Yi Baiti"/>
+        <a:font script="Tibt" typeface="Microsoft Himalaya"/>
+        <a:font script="Thaa" typeface="MV Boli"/>
+        <a:font script="Deva" typeface="Mangal"/>
+        <a:font script="Telu" typeface="Gautami"/>
+        <a:font script="Taml" typeface="Latha"/>
+        <a:font script="Syrc" typeface="Estrangelo Edessa"/>
+        <a:font script="Orya" typeface="Kalinga"/>
+        <a:font script="Mlym" typeface="Kartika"/>
+        <a:font script="Laoo" typeface="DokChampa"/>
+        <a:font script="Sinh" typeface="Iskoola Pota"/>
+        <a:font script="Mong" typeface="Mongolian Baiti"/>
+        <a:font script="Viet" typeface="Arial"/>
+        <a:font script="Uigh" typeface="Microsoft Uighur"/>
+        <a:font script="Geor" typeface="Sylfaen"/>
+        <a:font script="Armn" typeface="Arial"/>
+        <a:font script="Bugi" typeface="Leelawadee UI"/>
+        <a:font script="Bopo" typeface="Microsoft JhengHei"/>
+        <a:font script="Java" typeface="Javanese Text"/>
+        <a:font script="Lisu" typeface="Segoe UI"/>
+        <a:font script="Mymr" typeface="Myanmar Text"/>
+        <a:font script="Nkoo" typeface="Ebrima"/>
+        <a:font script="Olck" typeface="Nirmala UI"/>
+        <a:font script="Osma" typeface="Ebrima"/>
+        <a:font script="Phag" typeface="Phagspa"/>
+        <a:font script="Syrn" typeface="Estrangelo Edessa"/>
+        <a:font script="Syrj" typeface="Estrangelo Edessa"/>
+        <a:font script="Syre" typeface="Estrangelo Edessa"/>
+        <a:font script="Sora" typeface="Nirmala UI"/>
+        <a:font script="Tale" typeface="Microsoft Tai Le"/>
+        <a:font script="Talu" typeface="Microsoft New Tai Lue"/>
+        <a:font script="Tfng" typeface="Ebrima"/>
+      </a:minorFont>
+    </a:fontScheme>
+    <a:fmtScheme name="Office">
       <a:fillStyleLst>
         <a:solidFill>
           <a:schemeClr val="phClr"/>
